--- a/doc/Pitch1.pptx
+++ b/doc/Pitch1.pptx
@@ -5,7 +5,7 @@
     <p:sldMasterId id="2147483756" r:id="rId1"/>
   </p:sldMasterIdLst>
   <p:notesMasterIdLst>
-    <p:notesMasterId r:id="rId28"/>
+    <p:notesMasterId r:id="rId32"/>
   </p:notesMasterIdLst>
   <p:sldIdLst>
     <p:sldId id="256" r:id="rId2"/>
@@ -17,23 +17,27 @@
     <p:sldId id="261" r:id="rId8"/>
     <p:sldId id="265" r:id="rId9"/>
     <p:sldId id="266" r:id="rId10"/>
-    <p:sldId id="271" r:id="rId11"/>
-    <p:sldId id="272" r:id="rId12"/>
-    <p:sldId id="267" r:id="rId13"/>
-    <p:sldId id="269" r:id="rId14"/>
-    <p:sldId id="268" r:id="rId15"/>
-    <p:sldId id="273" r:id="rId16"/>
-    <p:sldId id="274" r:id="rId17"/>
-    <p:sldId id="275" r:id="rId18"/>
-    <p:sldId id="270" r:id="rId19"/>
-    <p:sldId id="276" r:id="rId20"/>
-    <p:sldId id="277" r:id="rId21"/>
-    <p:sldId id="278" r:id="rId22"/>
-    <p:sldId id="279" r:id="rId23"/>
-    <p:sldId id="283" r:id="rId24"/>
-    <p:sldId id="280" r:id="rId25"/>
-    <p:sldId id="281" r:id="rId26"/>
-    <p:sldId id="282" r:id="rId27"/>
+    <p:sldId id="285" r:id="rId11"/>
+    <p:sldId id="271" r:id="rId12"/>
+    <p:sldId id="286" r:id="rId13"/>
+    <p:sldId id="288" r:id="rId14"/>
+    <p:sldId id="284" r:id="rId15"/>
+    <p:sldId id="272" r:id="rId16"/>
+    <p:sldId id="267" r:id="rId17"/>
+    <p:sldId id="269" r:id="rId18"/>
+    <p:sldId id="268" r:id="rId19"/>
+    <p:sldId id="275" r:id="rId20"/>
+    <p:sldId id="273" r:id="rId21"/>
+    <p:sldId id="274" r:id="rId22"/>
+    <p:sldId id="270" r:id="rId23"/>
+    <p:sldId id="276" r:id="rId24"/>
+    <p:sldId id="277" r:id="rId25"/>
+    <p:sldId id="278" r:id="rId26"/>
+    <p:sldId id="279" r:id="rId27"/>
+    <p:sldId id="283" r:id="rId28"/>
+    <p:sldId id="280" r:id="rId29"/>
+    <p:sldId id="281" r:id="rId30"/>
+    <p:sldId id="282" r:id="rId31"/>
   </p:sldIdLst>
   <p:sldSz cx="9144000" cy="6858000" type="screen4x3"/>
   <p:notesSz cx="6858000" cy="9144000"/>
@@ -3581,6 +3585,106 @@
 </p:notes>
 </file>
 
+<file path=ppt/notesSlides/notesSlide10.xml><?xml version="1.0" encoding="utf-8"?>
+<p:notes xmlns:a="http://schemas.openxmlformats.org/drawingml/2006/main" xmlns:r="http://schemas.openxmlformats.org/officeDocument/2006/relationships" xmlns:p="http://schemas.openxmlformats.org/presentationml/2006/main">
+  <p:cSld>
+    <p:spTree>
+      <p:nvGrpSpPr>
+        <p:cNvPr id="1" name=""/>
+        <p:cNvGrpSpPr/>
+        <p:nvPr/>
+      </p:nvGrpSpPr>
+      <p:grpSpPr>
+        <a:xfrm>
+          <a:off x="0" y="0"/>
+          <a:ext cx="0" cy="0"/>
+          <a:chOff x="0" y="0"/>
+          <a:chExt cx="0" cy="0"/>
+        </a:xfrm>
+      </p:grpSpPr>
+      <p:sp>
+        <p:nvSpPr>
+          <p:cNvPr id="2" name="Slide Image Placeholder 1"/>
+          <p:cNvSpPr>
+            <a:spLocks noGrp="1" noRot="1" noChangeAspect="1"/>
+          </p:cNvSpPr>
+          <p:nvPr>
+            <p:ph type="sldImg"/>
+          </p:nvPr>
+        </p:nvSpPr>
+        <p:spPr/>
+      </p:sp>
+      <p:sp>
+        <p:nvSpPr>
+          <p:cNvPr id="3" name="Notes Placeholder 2"/>
+          <p:cNvSpPr>
+            <a:spLocks noGrp="1"/>
+          </p:cNvSpPr>
+          <p:nvPr>
+            <p:ph type="body" idx="1"/>
+          </p:nvPr>
+        </p:nvSpPr>
+        <p:spPr/>
+        <p:txBody>
+          <a:bodyPr/>
+          <a:lstStyle/>
+          <a:p>
+            <a:r>
+              <a:rPr lang="en-US" dirty="0" smtClean="0"/>
+              <a:t>Brief overview accompanied by a diagram of each stage</a:t>
+            </a:r>
+          </a:p>
+          <a:p>
+            <a:r>
+              <a:rPr lang="en-US" dirty="0" smtClean="0"/>
+              <a:t>talk about pipelined execution</a:t>
+            </a:r>
+          </a:p>
+          <a:p>
+            <a:r>
+              <a:rPr lang="en-US" dirty="0" smtClean="0"/>
+              <a:t>parallel execution across nodes</a:t>
+            </a:r>
+            <a:endParaRPr lang="en-US" dirty="0" smtClean="0"/>
+          </a:p>
+        </p:txBody>
+      </p:sp>
+      <p:sp>
+        <p:nvSpPr>
+          <p:cNvPr id="4" name="Slide Number Placeholder 3"/>
+          <p:cNvSpPr>
+            <a:spLocks noGrp="1"/>
+          </p:cNvSpPr>
+          <p:nvPr>
+            <p:ph type="sldNum" sz="quarter" idx="10"/>
+          </p:nvPr>
+        </p:nvSpPr>
+        <p:spPr/>
+        <p:txBody>
+          <a:bodyPr/>
+          <a:lstStyle/>
+          <a:p>
+            <a:fld id="{2159444B-F866-9243-9E6A-70D5AF65536F}" type="slidenum">
+              <a:rPr lang="en-US" smtClean="0"/>
+              <a:t>18</a:t>
+            </a:fld>
+            <a:endParaRPr lang="en-US"/>
+          </a:p>
+        </p:txBody>
+      </p:sp>
+    </p:spTree>
+    <p:extLst>
+      <p:ext uri="{BB962C8B-B14F-4D97-AF65-F5344CB8AC3E}">
+        <p14:creationId xmlns:p14="http://schemas.microsoft.com/office/powerpoint/2010/main" val="609149574"/>
+      </p:ext>
+    </p:extLst>
+  </p:cSld>
+  <p:clrMapOvr>
+    <a:masterClrMapping/>
+  </p:clrMapOvr>
+</p:notes>
+</file>
+
 <file path=ppt/notesSlides/notesSlide2.xml><?xml version="1.0" encoding="utf-8"?>
 <p:notes xmlns:a="http://schemas.openxmlformats.org/drawingml/2006/main" xmlns:r="http://schemas.openxmlformats.org/officeDocument/2006/relationships" xmlns:p="http://schemas.openxmlformats.org/presentationml/2006/main">
   <p:cSld>
@@ -4128,21 +4232,21 @@
           <a:p>
             <a:r>
               <a:rPr lang="en-US" dirty="0" smtClean="0"/>
-              <a:t>Brief overview accompanied by a diagram of each stage</a:t>
-            </a:r>
-          </a:p>
-          <a:p>
+              <a:t>See </a:t>
+            </a:r>
+            <a:r>
+              <a:rPr lang="en-US" dirty="0" err="1" smtClean="0"/>
+              <a:t>Ioannis</a:t>
+            </a:r>
             <a:r>
               <a:rPr lang="en-US" dirty="0" smtClean="0"/>
-              <a:t>talk about pipelined execution</a:t>
-            </a:r>
-          </a:p>
-          <a:p>
-            <a:r>
-              <a:rPr lang="en-US" dirty="0" smtClean="0"/>
-              <a:t>parallel execution across nodes</a:t>
-            </a:r>
-            <a:endParaRPr lang="en-US" dirty="0" smtClean="0"/>
+              <a:t> paper</a:t>
+            </a:r>
+            <a:r>
+              <a:rPr lang="en-US" baseline="0" dirty="0" smtClean="0"/>
+              <a:t> </a:t>
+            </a:r>
+            <a:endParaRPr lang="en-US" dirty="0"/>
           </a:p>
         </p:txBody>
       </p:sp>
@@ -4163,7 +4267,7 @@
           <a:p>
             <a:fld id="{2159444B-F866-9243-9E6A-70D5AF65536F}" type="slidenum">
               <a:rPr lang="en-US" smtClean="0"/>
-              <a:t>14</a:t>
+              <a:t>11</a:t>
             </a:fld>
             <a:endParaRPr lang="en-US"/>
           </a:p>
@@ -4172,7 +4276,207 @@
     </p:spTree>
     <p:extLst>
       <p:ext uri="{BB962C8B-B14F-4D97-AF65-F5344CB8AC3E}">
-        <p14:creationId xmlns:p14="http://schemas.microsoft.com/office/powerpoint/2010/main" val="609149574"/>
+        <p14:creationId xmlns:p14="http://schemas.microsoft.com/office/powerpoint/2010/main" val="1077762719"/>
+      </p:ext>
+    </p:extLst>
+  </p:cSld>
+  <p:clrMapOvr>
+    <a:masterClrMapping/>
+  </p:clrMapOvr>
+</p:notes>
+</file>
+
+<file path=ppt/notesSlides/notesSlide8.xml><?xml version="1.0" encoding="utf-8"?>
+<p:notes xmlns:a="http://schemas.openxmlformats.org/drawingml/2006/main" xmlns:r="http://schemas.openxmlformats.org/officeDocument/2006/relationships" xmlns:p="http://schemas.openxmlformats.org/presentationml/2006/main">
+  <p:cSld>
+    <p:spTree>
+      <p:nvGrpSpPr>
+        <p:cNvPr id="1" name=""/>
+        <p:cNvGrpSpPr/>
+        <p:nvPr/>
+      </p:nvGrpSpPr>
+      <p:grpSpPr>
+        <a:xfrm>
+          <a:off x="0" y="0"/>
+          <a:ext cx="0" cy="0"/>
+          <a:chOff x="0" y="0"/>
+          <a:chExt cx="0" cy="0"/>
+        </a:xfrm>
+      </p:grpSpPr>
+      <p:sp>
+        <p:nvSpPr>
+          <p:cNvPr id="2" name="Slide Image Placeholder 1"/>
+          <p:cNvSpPr>
+            <a:spLocks noGrp="1" noRot="1" noChangeAspect="1"/>
+          </p:cNvSpPr>
+          <p:nvPr>
+            <p:ph type="sldImg"/>
+          </p:nvPr>
+        </p:nvSpPr>
+        <p:spPr/>
+      </p:sp>
+      <p:sp>
+        <p:nvSpPr>
+          <p:cNvPr id="3" name="Notes Placeholder 2"/>
+          <p:cNvSpPr>
+            <a:spLocks noGrp="1"/>
+          </p:cNvSpPr>
+          <p:nvPr>
+            <p:ph type="body" idx="1"/>
+          </p:nvPr>
+        </p:nvSpPr>
+        <p:spPr/>
+        <p:txBody>
+          <a:bodyPr/>
+          <a:lstStyle/>
+          <a:p>
+            <a:r>
+              <a:rPr lang="en-US" dirty="0" smtClean="0"/>
+              <a:t>See </a:t>
+            </a:r>
+            <a:r>
+              <a:rPr lang="en-US" dirty="0" err="1" smtClean="0"/>
+              <a:t>Ioannis</a:t>
+            </a:r>
+            <a:r>
+              <a:rPr lang="en-US" dirty="0" smtClean="0"/>
+              <a:t> paper</a:t>
+            </a:r>
+            <a:r>
+              <a:rPr lang="en-US" baseline="0" dirty="0" smtClean="0"/>
+              <a:t> </a:t>
+            </a:r>
+            <a:endParaRPr lang="en-US" dirty="0"/>
+          </a:p>
+        </p:txBody>
+      </p:sp>
+      <p:sp>
+        <p:nvSpPr>
+          <p:cNvPr id="4" name="Slide Number Placeholder 3"/>
+          <p:cNvSpPr>
+            <a:spLocks noGrp="1"/>
+          </p:cNvSpPr>
+          <p:nvPr>
+            <p:ph type="sldNum" sz="quarter" idx="10"/>
+          </p:nvPr>
+        </p:nvSpPr>
+        <p:spPr/>
+        <p:txBody>
+          <a:bodyPr/>
+          <a:lstStyle/>
+          <a:p>
+            <a:fld id="{2159444B-F866-9243-9E6A-70D5AF65536F}" type="slidenum">
+              <a:rPr lang="en-US" smtClean="0"/>
+              <a:t>12</a:t>
+            </a:fld>
+            <a:endParaRPr lang="en-US"/>
+          </a:p>
+        </p:txBody>
+      </p:sp>
+    </p:spTree>
+    <p:extLst>
+      <p:ext uri="{BB962C8B-B14F-4D97-AF65-F5344CB8AC3E}">
+        <p14:creationId xmlns:p14="http://schemas.microsoft.com/office/powerpoint/2010/main" val="521164521"/>
+      </p:ext>
+    </p:extLst>
+  </p:cSld>
+  <p:clrMapOvr>
+    <a:masterClrMapping/>
+  </p:clrMapOvr>
+</p:notes>
+</file>
+
+<file path=ppt/notesSlides/notesSlide9.xml><?xml version="1.0" encoding="utf-8"?>
+<p:notes xmlns:a="http://schemas.openxmlformats.org/drawingml/2006/main" xmlns:r="http://schemas.openxmlformats.org/officeDocument/2006/relationships" xmlns:p="http://schemas.openxmlformats.org/presentationml/2006/main">
+  <p:cSld>
+    <p:spTree>
+      <p:nvGrpSpPr>
+        <p:cNvPr id="1" name=""/>
+        <p:cNvGrpSpPr/>
+        <p:nvPr/>
+      </p:nvGrpSpPr>
+      <p:grpSpPr>
+        <a:xfrm>
+          <a:off x="0" y="0"/>
+          <a:ext cx="0" cy="0"/>
+          <a:chOff x="0" y="0"/>
+          <a:chExt cx="0" cy="0"/>
+        </a:xfrm>
+      </p:grpSpPr>
+      <p:sp>
+        <p:nvSpPr>
+          <p:cNvPr id="2" name="Slide Image Placeholder 1"/>
+          <p:cNvSpPr>
+            <a:spLocks noGrp="1" noRot="1" noChangeAspect="1"/>
+          </p:cNvSpPr>
+          <p:nvPr>
+            <p:ph type="sldImg"/>
+          </p:nvPr>
+        </p:nvSpPr>
+        <p:spPr/>
+      </p:sp>
+      <p:sp>
+        <p:nvSpPr>
+          <p:cNvPr id="3" name="Notes Placeholder 2"/>
+          <p:cNvSpPr>
+            <a:spLocks noGrp="1"/>
+          </p:cNvSpPr>
+          <p:nvPr>
+            <p:ph type="body" idx="1"/>
+          </p:nvPr>
+        </p:nvSpPr>
+        <p:spPr/>
+        <p:txBody>
+          <a:bodyPr/>
+          <a:lstStyle/>
+          <a:p>
+            <a:r>
+              <a:rPr lang="en-US" dirty="0" smtClean="0"/>
+              <a:t>See </a:t>
+            </a:r>
+            <a:r>
+              <a:rPr lang="en-US" dirty="0" err="1" smtClean="0"/>
+              <a:t>Ioannis</a:t>
+            </a:r>
+            <a:r>
+              <a:rPr lang="en-US" dirty="0" smtClean="0"/>
+              <a:t> paper</a:t>
+            </a:r>
+            <a:r>
+              <a:rPr lang="en-US" baseline="0" dirty="0" smtClean="0"/>
+              <a:t> </a:t>
+            </a:r>
+            <a:endParaRPr lang="en-US" dirty="0"/>
+          </a:p>
+        </p:txBody>
+      </p:sp>
+      <p:sp>
+        <p:nvSpPr>
+          <p:cNvPr id="4" name="Slide Number Placeholder 3"/>
+          <p:cNvSpPr>
+            <a:spLocks noGrp="1"/>
+          </p:cNvSpPr>
+          <p:nvPr>
+            <p:ph type="sldNum" sz="quarter" idx="10"/>
+          </p:nvPr>
+        </p:nvSpPr>
+        <p:spPr/>
+        <p:txBody>
+          <a:bodyPr/>
+          <a:lstStyle/>
+          <a:p>
+            <a:fld id="{2159444B-F866-9243-9E6A-70D5AF65536F}" type="slidenum">
+              <a:rPr lang="en-US" smtClean="0"/>
+              <a:t>13</a:t>
+            </a:fld>
+            <a:endParaRPr lang="en-US"/>
+          </a:p>
+        </p:txBody>
+      </p:sp>
+    </p:spTree>
+    <p:extLst>
+      <p:ext uri="{BB962C8B-B14F-4D97-AF65-F5344CB8AC3E}">
+        <p14:creationId xmlns:p14="http://schemas.microsoft.com/office/powerpoint/2010/main" val="1432127883"/>
       </p:ext>
     </p:extLst>
   </p:cSld>
@@ -10265,6 +10569,13 @@
   <p:clrMapOvr>
     <a:masterClrMapping/>
   </p:clrMapOvr>
+  <p:timing>
+    <p:tnLst>
+      <p:par>
+        <p:cTn id="1" dur="indefinite" restart="never" nodeType="tmRoot"/>
+      </p:par>
+    </p:tnLst>
+  </p:timing>
 </p:sld>
 </file>
 
@@ -10320,8 +10631,8 @@
         </p:nvSpPr>
         <p:spPr>
           <a:xfrm>
-            <a:off x="685330" y="1643063"/>
-            <a:ext cx="7772870" cy="4148137"/>
+            <a:off x="685800" y="2214695"/>
+            <a:ext cx="7772870" cy="3286125"/>
           </a:xfrm>
         </p:spPr>
         <p:txBody>
@@ -10331,71 +10642,52 @@
           <a:lstStyle/>
           <a:p>
             <a:r>
+              <a:rPr lang="en-US" dirty="0"/>
+              <a:t>All data </a:t>
+            </a:r>
+            <a:r>
               <a:rPr lang="en-US" dirty="0" smtClean="0"/>
-              <a:t>distributed, partitioned data off-heap data buffers in-memory (similar sys v </a:t>
-            </a:r>
-            <a:r>
-              <a:rPr lang="en-US" dirty="0" err="1" smtClean="0"/>
-              <a:t>shm</a:t>
-            </a:r>
+              <a:t>is </a:t>
+            </a:r>
+            <a:r>
+              <a:rPr lang="en-US" dirty="0"/>
+              <a:t>stored in main memory during database operation. </a:t>
+            </a:r>
+            <a:endParaRPr lang="en-US" dirty="0"/>
+          </a:p>
+          <a:p>
             <a:r>
               <a:rPr lang="en-US" dirty="0" smtClean="0"/>
-              <a:t> memory segments)</a:t>
-            </a:r>
-          </a:p>
-          <a:p>
+              <a:t>Data </a:t>
+            </a:r>
+            <a:r>
+              <a:rPr lang="en-US" dirty="0"/>
+              <a:t>can be persisted to disk to preserve information across reboots, and a transaction log is written to non-volatile storage after transaction commits (if in read-committed </a:t>
+            </a:r>
             <a:r>
               <a:rPr lang="en-US" dirty="0" smtClean="0"/>
-              <a:t>compressed vs “fast” stores</a:t>
-            </a:r>
-          </a:p>
-          <a:p>
-            <a:r>
-              <a:rPr lang="en-US" dirty="0" smtClean="0"/>
-              <a:t>high concurrency client handling</a:t>
-            </a:r>
-          </a:p>
-          <a:p>
-            <a:r>
-              <a:rPr lang="en-US" dirty="0" smtClean="0"/>
-              <a:t>thread-to-data-model</a:t>
-            </a:r>
-          </a:p>
-          <a:p>
-            <a:r>
-              <a:rPr lang="en-US" dirty="0" smtClean="0"/>
-              <a:t>fully pipelined execution for every query</a:t>
-            </a:r>
-          </a:p>
-          <a:p>
-            <a:r>
-              <a:rPr lang="en-US" dirty="0" smtClean="0"/>
-              <a:t>simplified, functional programming</a:t>
-            </a:r>
-          </a:p>
-          <a:p>
-            <a:r>
-              <a:rPr lang="en-US" dirty="0" err="1" smtClean="0"/>
-              <a:t>compartmentalised</a:t>
-            </a:r>
-            <a:r>
-              <a:rPr lang="en-US" dirty="0" smtClean="0"/>
-              <a:t> from the ground up (multitenancy, workload management)</a:t>
-            </a:r>
-            <a:endParaRPr lang="en-US" dirty="0"/>
+              <a:t>mode).</a:t>
+            </a:r>
           </a:p>
         </p:txBody>
       </p:sp>
     </p:spTree>
     <p:extLst>
       <p:ext uri="{BB962C8B-B14F-4D97-AF65-F5344CB8AC3E}">
-        <p14:creationId xmlns:p14="http://schemas.microsoft.com/office/powerpoint/2010/main" val="1198761982"/>
+        <p14:creationId xmlns:p14="http://schemas.microsoft.com/office/powerpoint/2010/main" val="1712013791"/>
       </p:ext>
     </p:extLst>
   </p:cSld>
   <p:clrMapOvr>
     <a:masterClrMapping/>
   </p:clrMapOvr>
+  <p:timing>
+    <p:tnLst>
+      <p:par>
+        <p:cTn id="1" dur="indefinite" restart="never" nodeType="tmRoot"/>
+      </p:par>
+    </p:tnLst>
+  </p:timing>
 </p:sld>
 </file>
 
@@ -10433,7 +10725,7 @@
           <a:p>
             <a:r>
               <a:rPr lang="en-US" dirty="0" smtClean="0"/>
-              <a:t>why does this meet requirements?</a:t>
+              <a:t>CONCEPTS</a:t>
             </a:r>
             <a:endParaRPr lang="en-US" dirty="0"/>
           </a:p>
@@ -10449,41 +10741,123 @@
             <p:ph sz="quarter" idx="13"/>
           </p:nvPr>
         </p:nvSpPr>
-        <p:spPr/>
+        <p:spPr>
+          <a:xfrm>
+            <a:off x="685330" y="1657350"/>
+            <a:ext cx="7772870" cy="4772025"/>
+          </a:xfrm>
+        </p:spPr>
         <p:txBody>
-          <a:bodyPr/>
+          <a:bodyPr>
+            <a:normAutofit fontScale="92500" lnSpcReduction="10000"/>
+          </a:bodyPr>
           <a:lstStyle/>
           <a:p>
             <a:r>
               <a:rPr lang="en-US" dirty="0" smtClean="0"/>
-              <a:t>Ability to handle high concurrency of data source connections</a:t>
-            </a:r>
-          </a:p>
-          <a:p>
+              <a:t>based </a:t>
+            </a:r>
+            <a:r>
+              <a:rPr lang="en-US" dirty="0"/>
+              <a:t>on an in-memory thread-to-data </a:t>
+            </a:r>
             <a:r>
               <a:rPr lang="en-US" dirty="0" smtClean="0"/>
-              <a:t>in-memory makes it easier to support heterogeneous workloads in the same platform</a:t>
+              <a:t>model</a:t>
             </a:r>
           </a:p>
           <a:p>
             <a:r>
               <a:rPr lang="en-US" dirty="0" smtClean="0"/>
-              <a:t>elasticity meets </a:t>
-            </a:r>
-            <a:endParaRPr lang="en-US" dirty="0"/>
+              <a:t>data </a:t>
+            </a:r>
+            <a:r>
+              <a:rPr lang="en-US" dirty="0"/>
+              <a:t>resides </a:t>
+            </a:r>
+            <a:r>
+              <a:rPr lang="en-US" dirty="0" smtClean="0"/>
+              <a:t>in off-heap memory buffers and </a:t>
+            </a:r>
+            <a:r>
+              <a:rPr lang="en-US" dirty="0"/>
+              <a:t>is partitioned into </a:t>
+            </a:r>
+            <a:r>
+              <a:rPr lang="en-US" dirty="0" smtClean="0"/>
+              <a:t>regions (“CHUNKS”)</a:t>
+            </a:r>
+          </a:p>
+          <a:p>
+            <a:r>
+              <a:rPr lang="en-US" dirty="0" smtClean="0"/>
+              <a:t>Each chunk is </a:t>
+            </a:r>
+            <a:r>
+              <a:rPr lang="en-US" dirty="0"/>
+              <a:t>assigned a </a:t>
+            </a:r>
+            <a:r>
+              <a:rPr lang="en-US" dirty="0" smtClean="0"/>
+              <a:t>processor / manager </a:t>
+            </a:r>
+            <a:r>
+              <a:rPr lang="en-US" dirty="0"/>
+              <a:t>thread which receives execution </a:t>
+            </a:r>
+            <a:r>
+              <a:rPr lang="en-US" dirty="0" smtClean="0"/>
+              <a:t>instruction messages </a:t>
+            </a:r>
+            <a:r>
+              <a:rPr lang="en-US" dirty="0"/>
+              <a:t>from a dispatch thread. </a:t>
+            </a:r>
+            <a:endParaRPr lang="en-US" dirty="0" smtClean="0"/>
+          </a:p>
+          <a:p>
+            <a:r>
+              <a:rPr lang="en-US" dirty="0" smtClean="0"/>
+              <a:t>New manager threads </a:t>
+            </a:r>
+            <a:r>
+              <a:rPr lang="en-US" dirty="0"/>
+              <a:t>are not created in response to query or connection requests; fragments of query execution plans are routed to the threads (which exist for the duration of database system uptime). </a:t>
+            </a:r>
+          </a:p>
+          <a:p>
+            <a:r>
+              <a:rPr lang="en-US" dirty="0" smtClean="0"/>
+              <a:t>no more than one thread (the manager) accesses the chunk at a given time: each thread multiplexes access request messages. No latches, </a:t>
+            </a:r>
+            <a:r>
+              <a:rPr lang="en-US" dirty="0" err="1" smtClean="0"/>
+              <a:t>mutexes</a:t>
+            </a:r>
+            <a:r>
+              <a:rPr lang="en-US" dirty="0" smtClean="0"/>
+              <a:t> etc.</a:t>
+            </a:r>
           </a:p>
         </p:txBody>
       </p:sp>
     </p:spTree>
     <p:extLst>
       <p:ext uri="{BB962C8B-B14F-4D97-AF65-F5344CB8AC3E}">
-        <p14:creationId xmlns:p14="http://schemas.microsoft.com/office/powerpoint/2010/main" val="1586555277"/>
+        <p14:creationId xmlns:p14="http://schemas.microsoft.com/office/powerpoint/2010/main" val="1198761982"/>
       </p:ext>
     </p:extLst>
   </p:cSld>
   <p:clrMapOvr>
     <a:masterClrMapping/>
   </p:clrMapOvr>
+  <p:timing>
+    <p:tnLst>
+      <p:par>
+        <p:cTn id="1" dur="indefinite" restart="never" nodeType="tmRoot"/>
+      </p:par>
+    </p:tnLst>
+  </p:timing>
 </p:sld>
 </file>
 
@@ -10521,7 +10895,7 @@
           <a:p>
             <a:r>
               <a:rPr lang="en-US" dirty="0" smtClean="0"/>
-              <a:t>Design notes</a:t>
+              <a:t>CONCEPTS</a:t>
             </a:r>
             <a:endParaRPr lang="en-US" dirty="0"/>
           </a:p>
@@ -10537,33 +10911,160 @@
             <p:ph sz="quarter" idx="13"/>
           </p:nvPr>
         </p:nvSpPr>
-        <p:spPr/>
+        <p:spPr>
+          <a:xfrm>
+            <a:off x="685330" y="1657350"/>
+            <a:ext cx="7772870" cy="4772025"/>
+          </a:xfrm>
+        </p:spPr>
         <p:txBody>
-          <a:bodyPr/>
+          <a:bodyPr>
+            <a:normAutofit fontScale="92500" lnSpcReduction="20000"/>
+          </a:bodyPr>
           <a:lstStyle/>
           <a:p>
             <a:r>
               <a:rPr lang="en-US" dirty="0" smtClean="0"/>
-              <a:t>languages</a:t>
-            </a:r>
-          </a:p>
-          <a:p>
+              <a:t>distributed</a:t>
+            </a:r>
+            <a:r>
+              <a:rPr lang="en-US" dirty="0"/>
+              <a:t>, parallel database; </a:t>
+            </a:r>
+            <a:r>
+              <a:rPr lang="en-US" dirty="0" smtClean="0"/>
+              <a:t>Individual chunks may be </a:t>
+            </a:r>
+            <a:r>
+              <a:rPr lang="en-US" dirty="0"/>
+              <a:t>distributed across one or more machines participating in the database cluster. </a:t>
+            </a:r>
+            <a:endParaRPr lang="en-US" dirty="0"/>
+          </a:p>
+          <a:p>
+            <a:r>
+              <a:rPr lang="en-US" dirty="0" smtClean="0"/>
+              <a:t>chunks may </a:t>
+            </a:r>
+            <a:r>
+              <a:rPr lang="en-US" dirty="0"/>
+              <a:t>be partitioned, replicated, </a:t>
+            </a:r>
+            <a:r>
+              <a:rPr lang="en-US" dirty="0" smtClean="0"/>
+              <a:t>both or neither -  depending on workload requirements</a:t>
+            </a:r>
+          </a:p>
+          <a:p>
+            <a:r>
+              <a:rPr lang="en-US" dirty="0" smtClean="0"/>
+              <a:t>chunks are also divided </a:t>
+            </a:r>
+            <a:r>
+              <a:rPr lang="en-US" dirty="0"/>
+              <a:t>into read-</a:t>
+            </a:r>
+            <a:r>
+              <a:rPr lang="en-US" dirty="0" err="1"/>
+              <a:t>optimised</a:t>
+            </a:r>
+            <a:r>
+              <a:rPr lang="en-US" dirty="0"/>
+              <a:t> and </a:t>
+            </a:r>
+            <a:r>
+              <a:rPr lang="en-US" dirty="0" smtClean="0"/>
+              <a:t>write-</a:t>
+            </a:r>
             <a:r>
               <a:rPr lang="en-US" dirty="0" err="1" smtClean="0"/>
-              <a:t>erlang</a:t>
+              <a:t>optimised</a:t>
             </a:r>
             <a:r>
               <a:rPr lang="en-US" dirty="0" smtClean="0"/>
-              <a:t> processes / embedded c</a:t>
+              <a:t>. </a:t>
             </a:r>
           </a:p>
           <a:p>
             <a:r>
               <a:rPr lang="en-US" dirty="0" smtClean="0"/>
-              <a:t>why</a:t>
-            </a:r>
-          </a:p>
-          <a:p>
+              <a:t>Short-query </a:t>
+            </a:r>
+            <a:r>
+              <a:rPr lang="en-US" dirty="0"/>
+              <a:t>write operations are routed to write-</a:t>
+            </a:r>
+            <a:r>
+              <a:rPr lang="en-US" dirty="0" err="1"/>
+              <a:t>optimised</a:t>
+            </a:r>
+            <a:r>
+              <a:rPr lang="en-US" dirty="0"/>
+              <a:t> </a:t>
+            </a:r>
+            <a:r>
+              <a:rPr lang="en-US" dirty="0" smtClean="0"/>
+              <a:t>chunks. </a:t>
+            </a:r>
+          </a:p>
+          <a:p>
+            <a:r>
+              <a:rPr lang="en-US" dirty="0" smtClean="0"/>
+              <a:t>A </a:t>
+            </a:r>
+            <a:r>
+              <a:rPr lang="en-US" dirty="0"/>
+              <a:t>periodic merge operation is carried out to move data from write-</a:t>
+            </a:r>
+            <a:r>
+              <a:rPr lang="en-US" dirty="0" err="1"/>
+              <a:t>optimised</a:t>
+            </a:r>
+            <a:r>
+              <a:rPr lang="en-US" dirty="0"/>
+              <a:t> to read-</a:t>
+            </a:r>
+            <a:r>
+              <a:rPr lang="en-US" dirty="0" err="1"/>
+              <a:t>optimised</a:t>
+            </a:r>
+            <a:r>
+              <a:rPr lang="en-US" dirty="0"/>
+              <a:t> </a:t>
+            </a:r>
+            <a:r>
+              <a:rPr lang="en-US" dirty="0" smtClean="0"/>
+              <a:t>chunks. </a:t>
+            </a:r>
+          </a:p>
+          <a:p>
+            <a:r>
+              <a:rPr lang="en-US" dirty="0" smtClean="0"/>
+              <a:t>Compression </a:t>
+            </a:r>
+            <a:r>
+              <a:rPr lang="en-US" dirty="0"/>
+              <a:t>is used on read-</a:t>
+            </a:r>
+            <a:r>
+              <a:rPr lang="en-US" dirty="0" err="1"/>
+              <a:t>optimised</a:t>
+            </a:r>
+            <a:r>
+              <a:rPr lang="en-US" dirty="0"/>
+              <a:t> </a:t>
+            </a:r>
+            <a:r>
+              <a:rPr lang="en-US" dirty="0" smtClean="0"/>
+              <a:t>chunks.</a:t>
+            </a:r>
+            <a:r>
+              <a:rPr lang="en-US" dirty="0"/>
+              <a:t/>
+            </a:r>
+            <a:br>
+              <a:rPr lang="en-US" dirty="0"/>
+            </a:br>
             <a:endParaRPr lang="en-US" dirty="0" smtClean="0"/>
           </a:p>
           <a:p>
@@ -10574,13 +11075,20 @@
     </p:spTree>
     <p:extLst>
       <p:ext uri="{BB962C8B-B14F-4D97-AF65-F5344CB8AC3E}">
-        <p14:creationId xmlns:p14="http://schemas.microsoft.com/office/powerpoint/2010/main" val="1481355787"/>
+        <p14:creationId xmlns:p14="http://schemas.microsoft.com/office/powerpoint/2010/main" val="250083100"/>
       </p:ext>
     </p:extLst>
   </p:cSld>
   <p:clrMapOvr>
     <a:masterClrMapping/>
   </p:clrMapOvr>
+  <p:timing>
+    <p:tnLst>
+      <p:par>
+        <p:cTn id="1" dur="indefinite" restart="never" nodeType="tmRoot"/>
+      </p:par>
+    </p:tnLst>
+  </p:timing>
 </p:sld>
 </file>
 
@@ -10618,7 +11126,7 @@
           <a:p>
             <a:r>
               <a:rPr lang="en-US" dirty="0" smtClean="0"/>
-              <a:t>components</a:t>
+              <a:t>CONCEPTS</a:t>
             </a:r>
             <a:endParaRPr lang="en-US" dirty="0"/>
           </a:p>
@@ -10636,68 +11144,70 @@
         </p:nvSpPr>
         <p:spPr>
           <a:xfrm>
-            <a:off x="685330" y="1714501"/>
-            <a:ext cx="7772870" cy="4457700"/>
+            <a:off x="685330" y="1900238"/>
+            <a:ext cx="7772870" cy="4529137"/>
           </a:xfrm>
         </p:spPr>
         <p:txBody>
           <a:bodyPr>
-            <a:normAutofit fontScale="92500" lnSpcReduction="10000"/>
+            <a:normAutofit/>
           </a:bodyPr>
           <a:lstStyle/>
           <a:p>
             <a:r>
+              <a:rPr lang="en-US" dirty="0"/>
+              <a:t>Concurrency control is achieved with a hybrid timestamp-ordering </a:t>
+            </a:r>
+            <a:r>
               <a:rPr lang="en-US" dirty="0" smtClean="0"/>
-              <a:t>listener      (here maybe have a table that indicates software module vs persistent server process)</a:t>
+              <a:t>protocol</a:t>
             </a:r>
           </a:p>
           <a:p>
             <a:r>
               <a:rPr lang="en-US" dirty="0" smtClean="0"/>
-              <a:t>connection handler</a:t>
-            </a:r>
-          </a:p>
-          <a:p>
+              <a:t>transaction IDs are </a:t>
+            </a:r>
+            <a:r>
+              <a:rPr lang="en-US" dirty="0"/>
+              <a:t>embedded in the execution </a:t>
+            </a:r>
             <a:r>
               <a:rPr lang="en-US" dirty="0" smtClean="0"/>
-              <a:t>transaction manager</a:t>
+              <a:t>messages and appropriate metadata stored per-row in the chunks</a:t>
             </a:r>
           </a:p>
           <a:p>
             <a:r>
               <a:rPr lang="en-US" dirty="0" smtClean="0"/>
-              <a:t>statistics manager</a:t>
+              <a:t>transaction ids generated by a distributed transaction manager thread</a:t>
             </a:r>
           </a:p>
           <a:p>
             <a:r>
               <a:rPr lang="en-US" dirty="0" smtClean="0"/>
-              <a:t>segment handlers</a:t>
-            </a:r>
-          </a:p>
-          <a:p>
+              <a:t>Recovery </a:t>
+            </a:r>
+            <a:r>
+              <a:rPr lang="en-US" dirty="0"/>
+              <a:t>is via a transaction log flushed to non-volatile storage at commit time (if required by </a:t>
+            </a:r>
             <a:r>
               <a:rPr lang="en-US" dirty="0" smtClean="0"/>
-              <a:t>segments</a:t>
-            </a:r>
-          </a:p>
-          <a:p>
-            <a:r>
-              <a:rPr lang="en-US" dirty="0" smtClean="0"/>
-              <a:t>despatcher</a:t>
-            </a:r>
-          </a:p>
-          <a:p>
-            <a:r>
-              <a:rPr lang="en-US" dirty="0" smtClean="0"/>
-              <a:t>logger</a:t>
-            </a:r>
-          </a:p>
-          <a:p>
-            <a:r>
-              <a:rPr lang="en-US" dirty="0" smtClean="0"/>
-              <a:t>parser</a:t>
-            </a:r>
+              <a:t>mode</a:t>
+            </a:r>
+            <a:r>
+              <a:rPr lang="en-US" dirty="0"/>
+              <a:t>). </a:t>
+            </a:r>
+            <a:r>
+              <a:rPr lang="en-US" dirty="0"/>
+              <a:t/>
+            </a:r>
+            <a:br>
+              <a:rPr lang="en-US" dirty="0"/>
+            </a:br>
+            <a:endParaRPr lang="en-US" dirty="0" smtClean="0"/>
           </a:p>
           <a:p>
             <a:endParaRPr lang="en-US" dirty="0"/>
@@ -10707,13 +11217,20 @@
     </p:spTree>
     <p:extLst>
       <p:ext uri="{BB962C8B-B14F-4D97-AF65-F5344CB8AC3E}">
-        <p14:creationId xmlns:p14="http://schemas.microsoft.com/office/powerpoint/2010/main" val="1098232419"/>
+        <p14:creationId xmlns:p14="http://schemas.microsoft.com/office/powerpoint/2010/main" val="480767871"/>
       </p:ext>
     </p:extLst>
   </p:cSld>
   <p:clrMapOvr>
     <a:masterClrMapping/>
   </p:clrMapOvr>
+  <p:timing>
+    <p:tnLst>
+      <p:par>
+        <p:cTn id="1" dur="indefinite" restart="never" nodeType="tmRoot"/>
+      </p:par>
+    </p:tnLst>
+  </p:timing>
 </p:sld>
 </file>
 
@@ -10751,7 +11268,7 @@
           <a:p>
             <a:r>
               <a:rPr lang="en-US" dirty="0" smtClean="0"/>
-              <a:t>query execution flow</a:t>
+              <a:t>CONCEPTS</a:t>
             </a:r>
             <a:endParaRPr lang="en-US" dirty="0"/>
           </a:p>
@@ -10767,11 +11284,70 @@
             <p:ph sz="quarter" idx="13"/>
           </p:nvPr>
         </p:nvSpPr>
-        <p:spPr/>
+        <p:spPr>
+          <a:xfrm>
+            <a:off x="685330" y="1643063"/>
+            <a:ext cx="7772870" cy="4148137"/>
+          </a:xfrm>
+        </p:spPr>
         <p:txBody>
-          <a:bodyPr/>
+          <a:bodyPr>
+            <a:normAutofit/>
+          </a:bodyPr>
           <a:lstStyle/>
           <a:p>
+            <a:r>
+              <a:rPr lang="en-US" dirty="0" smtClean="0"/>
+              <a:t>distributed, partitioned data off-heap data buffers in-memory (similar sys v </a:t>
+            </a:r>
+            <a:r>
+              <a:rPr lang="en-US" dirty="0" err="1" smtClean="0"/>
+              <a:t>shm</a:t>
+            </a:r>
+            <a:r>
+              <a:rPr lang="en-US" dirty="0" smtClean="0"/>
+              <a:t> memory segments)</a:t>
+            </a:r>
+          </a:p>
+          <a:p>
+            <a:r>
+              <a:rPr lang="en-US" dirty="0" smtClean="0"/>
+              <a:t>compressed vs “fast” stores</a:t>
+            </a:r>
+          </a:p>
+          <a:p>
+            <a:r>
+              <a:rPr lang="en-US" dirty="0" smtClean="0"/>
+              <a:t>high concurrency client handling</a:t>
+            </a:r>
+          </a:p>
+          <a:p>
+            <a:r>
+              <a:rPr lang="en-US" dirty="0" smtClean="0"/>
+              <a:t>thread-to-data-model</a:t>
+            </a:r>
+          </a:p>
+          <a:p>
+            <a:r>
+              <a:rPr lang="en-US" dirty="0" smtClean="0"/>
+              <a:t>fully pipelined execution for every query</a:t>
+            </a:r>
+          </a:p>
+          <a:p>
+            <a:r>
+              <a:rPr lang="en-US" dirty="0" smtClean="0"/>
+              <a:t>simplified, functional programming</a:t>
+            </a:r>
+          </a:p>
+          <a:p>
+            <a:r>
+              <a:rPr lang="en-US" dirty="0" err="1" smtClean="0"/>
+              <a:t>compartmentalised</a:t>
+            </a:r>
+            <a:r>
+              <a:rPr lang="en-US" dirty="0" smtClean="0"/>
+              <a:t> from the ground up (multitenancy, workload management)</a:t>
+            </a:r>
             <a:endParaRPr lang="en-US" dirty="0"/>
           </a:p>
         </p:txBody>
@@ -10779,13 +11355,20 @@
     </p:spTree>
     <p:extLst>
       <p:ext uri="{BB962C8B-B14F-4D97-AF65-F5344CB8AC3E}">
-        <p14:creationId xmlns:p14="http://schemas.microsoft.com/office/powerpoint/2010/main" val="1724698019"/>
+        <p14:creationId xmlns:p14="http://schemas.microsoft.com/office/powerpoint/2010/main" val="1599310700"/>
       </p:ext>
     </p:extLst>
   </p:cSld>
   <p:clrMapOvr>
     <a:masterClrMapping/>
   </p:clrMapOvr>
+  <p:timing>
+    <p:tnLst>
+      <p:par>
+        <p:cTn id="1" dur="indefinite" restart="never" nodeType="tmRoot"/>
+      </p:par>
+    </p:tnLst>
+  </p:timing>
 </p:sld>
 </file>
 
@@ -10823,7 +11406,7 @@
           <a:p>
             <a:r>
               <a:rPr lang="en-US" dirty="0" smtClean="0"/>
-              <a:t>parser</a:t>
+              <a:t>why does this meet requirements?</a:t>
             </a:r>
             <a:endParaRPr lang="en-US" dirty="0"/>
           </a:p>
@@ -10844,20 +11427,43 @@
           <a:bodyPr/>
           <a:lstStyle/>
           <a:p>
-            <a:endParaRPr lang="en-US"/>
+            <a:r>
+              <a:rPr lang="en-US" dirty="0" smtClean="0"/>
+              <a:t>Ability to handle high concurrency of data source connections</a:t>
+            </a:r>
+          </a:p>
+          <a:p>
+            <a:r>
+              <a:rPr lang="en-US" dirty="0" smtClean="0"/>
+              <a:t>in-memory makes it easier to support heterogeneous workloads in the same platform</a:t>
+            </a:r>
+          </a:p>
+          <a:p>
+            <a:r>
+              <a:rPr lang="en-US" dirty="0" smtClean="0"/>
+              <a:t>elasticity meets </a:t>
+            </a:r>
+            <a:endParaRPr lang="en-US" dirty="0"/>
           </a:p>
         </p:txBody>
       </p:sp>
     </p:spTree>
     <p:extLst>
       <p:ext uri="{BB962C8B-B14F-4D97-AF65-F5344CB8AC3E}">
-        <p14:creationId xmlns:p14="http://schemas.microsoft.com/office/powerpoint/2010/main" val="2138048819"/>
+        <p14:creationId xmlns:p14="http://schemas.microsoft.com/office/powerpoint/2010/main" val="1586555277"/>
       </p:ext>
     </p:extLst>
   </p:cSld>
   <p:clrMapOvr>
     <a:masterClrMapping/>
   </p:clrMapOvr>
+  <p:timing>
+    <p:tnLst>
+      <p:par>
+        <p:cTn id="1" dur="indefinite" restart="never" nodeType="tmRoot"/>
+      </p:par>
+    </p:tnLst>
+  </p:timing>
 </p:sld>
 </file>
 
@@ -10895,7 +11501,7 @@
           <a:p>
             <a:r>
               <a:rPr lang="en-US" dirty="0" smtClean="0"/>
-              <a:t>planner</a:t>
+              <a:t>Design notes</a:t>
             </a:r>
             <a:endParaRPr lang="en-US" dirty="0"/>
           </a:p>
@@ -10916,20 +11522,52 @@
           <a:bodyPr/>
           <a:lstStyle/>
           <a:p>
-            <a:endParaRPr lang="en-US"/>
+            <a:r>
+              <a:rPr lang="en-US" dirty="0" smtClean="0"/>
+              <a:t>languages</a:t>
+            </a:r>
+          </a:p>
+          <a:p>
+            <a:r>
+              <a:rPr lang="en-US" dirty="0" err="1" smtClean="0"/>
+              <a:t>erlang</a:t>
+            </a:r>
+            <a:r>
+              <a:rPr lang="en-US" dirty="0" smtClean="0"/>
+              <a:t> processes / embedded c</a:t>
+            </a:r>
+          </a:p>
+          <a:p>
+            <a:r>
+              <a:rPr lang="en-US" dirty="0" smtClean="0"/>
+              <a:t>why</a:t>
+            </a:r>
+          </a:p>
+          <a:p>
+            <a:endParaRPr lang="en-US" dirty="0" smtClean="0"/>
+          </a:p>
+          <a:p>
+            <a:endParaRPr lang="en-US" dirty="0"/>
           </a:p>
         </p:txBody>
       </p:sp>
     </p:spTree>
     <p:extLst>
       <p:ext uri="{BB962C8B-B14F-4D97-AF65-F5344CB8AC3E}">
-        <p14:creationId xmlns:p14="http://schemas.microsoft.com/office/powerpoint/2010/main" val="345913900"/>
+        <p14:creationId xmlns:p14="http://schemas.microsoft.com/office/powerpoint/2010/main" val="1481355787"/>
       </p:ext>
     </p:extLst>
   </p:cSld>
   <p:clrMapOvr>
     <a:masterClrMapping/>
   </p:clrMapOvr>
+  <p:timing>
+    <p:tnLst>
+      <p:par>
+        <p:cTn id="1" dur="indefinite" restart="never" nodeType="tmRoot"/>
+      </p:par>
+    </p:tnLst>
+  </p:timing>
 </p:sld>
 </file>
 
@@ -10967,7 +11605,7 @@
           <a:p>
             <a:r>
               <a:rPr lang="en-US" dirty="0" smtClean="0"/>
-              <a:t>execution</a:t>
+              <a:t>components</a:t>
             </a:r>
             <a:endParaRPr lang="en-US" dirty="0"/>
           </a:p>
@@ -10983,25 +11621,93 @@
             <p:ph sz="quarter" idx="13"/>
           </p:nvPr>
         </p:nvSpPr>
-        <p:spPr/>
+        <p:spPr>
+          <a:xfrm>
+            <a:off x="685330" y="1714501"/>
+            <a:ext cx="7772870" cy="4457700"/>
+          </a:xfrm>
+        </p:spPr>
         <p:txBody>
-          <a:bodyPr/>
+          <a:bodyPr>
+            <a:normAutofit fontScale="92500" lnSpcReduction="10000"/>
+          </a:bodyPr>
           <a:lstStyle/>
           <a:p>
-            <a:endParaRPr lang="en-US"/>
+            <a:r>
+              <a:rPr lang="en-US" dirty="0" smtClean="0"/>
+              <a:t>listener      (here maybe have a table that indicates software module vs persistent server process)</a:t>
+            </a:r>
+          </a:p>
+          <a:p>
+            <a:r>
+              <a:rPr lang="en-US" dirty="0" smtClean="0"/>
+              <a:t>connection handler</a:t>
+            </a:r>
+          </a:p>
+          <a:p>
+            <a:r>
+              <a:rPr lang="en-US" dirty="0" smtClean="0"/>
+              <a:t>transaction manager</a:t>
+            </a:r>
+          </a:p>
+          <a:p>
+            <a:r>
+              <a:rPr lang="en-US" dirty="0" smtClean="0"/>
+              <a:t>statistics manager</a:t>
+            </a:r>
+          </a:p>
+          <a:p>
+            <a:r>
+              <a:rPr lang="en-US" dirty="0" smtClean="0"/>
+              <a:t>segment handlers</a:t>
+            </a:r>
+          </a:p>
+          <a:p>
+            <a:r>
+              <a:rPr lang="en-US" dirty="0" smtClean="0"/>
+              <a:t>segments</a:t>
+            </a:r>
+          </a:p>
+          <a:p>
+            <a:r>
+              <a:rPr lang="en-US" dirty="0" smtClean="0"/>
+              <a:t>despatcher</a:t>
+            </a:r>
+          </a:p>
+          <a:p>
+            <a:r>
+              <a:rPr lang="en-US" dirty="0" smtClean="0"/>
+              <a:t>logger</a:t>
+            </a:r>
+          </a:p>
+          <a:p>
+            <a:r>
+              <a:rPr lang="en-US" dirty="0" smtClean="0"/>
+              <a:t>parser</a:t>
+            </a:r>
+          </a:p>
+          <a:p>
+            <a:endParaRPr lang="en-US" dirty="0"/>
           </a:p>
         </p:txBody>
       </p:sp>
     </p:spTree>
     <p:extLst>
       <p:ext uri="{BB962C8B-B14F-4D97-AF65-F5344CB8AC3E}">
-        <p14:creationId xmlns:p14="http://schemas.microsoft.com/office/powerpoint/2010/main" val="2145175704"/>
+        <p14:creationId xmlns:p14="http://schemas.microsoft.com/office/powerpoint/2010/main" val="1098232419"/>
       </p:ext>
     </p:extLst>
   </p:cSld>
   <p:clrMapOvr>
     <a:masterClrMapping/>
   </p:clrMapOvr>
+  <p:timing>
+    <p:tnLst>
+      <p:par>
+        <p:cTn id="1" dur="indefinite" restart="never" nodeType="tmRoot"/>
+      </p:par>
+    </p:tnLst>
+  </p:timing>
 </p:sld>
 </file>
 
@@ -11039,7 +11745,7 @@
           <a:p>
             <a:r>
               <a:rPr lang="en-US" dirty="0" smtClean="0"/>
-              <a:t>Data storage</a:t>
+              <a:t>query execution flow</a:t>
             </a:r>
             <a:endParaRPr lang="en-US" dirty="0"/>
           </a:p>
@@ -11060,38 +11766,6 @@
           <a:bodyPr/>
           <a:lstStyle/>
           <a:p>
-            <a:r>
-              <a:rPr lang="en-US" dirty="0" smtClean="0"/>
-              <a:t>Describe chunk manager</a:t>
-            </a:r>
-          </a:p>
-          <a:p>
-            <a:r>
-              <a:rPr lang="en-US" dirty="0" smtClean="0"/>
-              <a:t>talk about how its an </a:t>
-            </a:r>
-            <a:r>
-              <a:rPr lang="en-US" dirty="0" err="1" smtClean="0"/>
-              <a:t>ets</a:t>
-            </a:r>
-            <a:r>
-              <a:rPr lang="en-US" dirty="0" smtClean="0"/>
-              <a:t> table currently</a:t>
-            </a:r>
-          </a:p>
-          <a:p>
-            <a:r>
-              <a:rPr lang="en-US" dirty="0" smtClean="0"/>
-              <a:t>talk about the eventual structure </a:t>
-            </a:r>
-          </a:p>
-          <a:p>
-            <a:r>
-              <a:rPr lang="en-US" dirty="0" smtClean="0"/>
-              <a:t>how is data partitioned / hashed across chunks ?</a:t>
-            </a:r>
-          </a:p>
-          <a:p>
             <a:endParaRPr lang="en-US" dirty="0"/>
           </a:p>
         </p:txBody>
@@ -11099,7 +11773,7 @@
     </p:spTree>
     <p:extLst>
       <p:ext uri="{BB962C8B-B14F-4D97-AF65-F5344CB8AC3E}">
-        <p14:creationId xmlns:p14="http://schemas.microsoft.com/office/powerpoint/2010/main" val="1641523129"/>
+        <p14:creationId xmlns:p14="http://schemas.microsoft.com/office/powerpoint/2010/main" val="1724698019"/>
       </p:ext>
     </p:extLst>
   </p:cSld>
@@ -11143,7 +11817,7 @@
           <a:p>
             <a:r>
               <a:rPr lang="en-US" dirty="0" smtClean="0"/>
-              <a:t>concurrency control / transaction management</a:t>
+              <a:t>execution</a:t>
             </a:r>
             <a:endParaRPr lang="en-US" dirty="0"/>
           </a:p>
@@ -11171,13 +11845,20 @@
     </p:spTree>
     <p:extLst>
       <p:ext uri="{BB962C8B-B14F-4D97-AF65-F5344CB8AC3E}">
-        <p14:creationId xmlns:p14="http://schemas.microsoft.com/office/powerpoint/2010/main" val="139096427"/>
+        <p14:creationId xmlns:p14="http://schemas.microsoft.com/office/powerpoint/2010/main" val="2145175704"/>
       </p:ext>
     </p:extLst>
   </p:cSld>
   <p:clrMapOvr>
     <a:masterClrMapping/>
   </p:clrMapOvr>
+  <p:timing>
+    <p:tnLst>
+      <p:par>
+        <p:cTn id="1" dur="indefinite" restart="never" nodeType="tmRoot"/>
+      </p:par>
+    </p:tnLst>
+  </p:timing>
 </p:sld>
 </file>
 
@@ -11289,6 +11970,13 @@
   <p:clrMapOvr>
     <a:masterClrMapping/>
   </p:clrMapOvr>
+  <p:timing>
+    <p:tnLst>
+      <p:par>
+        <p:cTn id="1" dur="indefinite" restart="never" nodeType="tmRoot"/>
+      </p:par>
+    </p:tnLst>
+  </p:timing>
 </p:sld>
 </file>
 
@@ -11326,11 +12014,7 @@
           <a:p>
             <a:r>
               <a:rPr lang="en-US" dirty="0" smtClean="0"/>
-              <a:t>things left unsaid</a:t>
-            </a:r>
-            <a:r>
-              <a:rPr lang="is-IS" dirty="0" smtClean="0"/>
-              <a:t>…</a:t>
+              <a:t>parser</a:t>
             </a:r>
             <a:endParaRPr lang="en-US" dirty="0"/>
           </a:p>
@@ -11351,60 +12035,14 @@
           <a:bodyPr/>
           <a:lstStyle/>
           <a:p>
-            <a:r>
-              <a:rPr lang="en-US" dirty="0" smtClean="0"/>
-              <a:t>recovery system and transaction logging</a:t>
-            </a:r>
-          </a:p>
-          <a:p>
-            <a:r>
-              <a:rPr lang="en-US" dirty="0" smtClean="0"/>
-              <a:t>consistency across nodes (</a:t>
-            </a:r>
-            <a:r>
-              <a:rPr lang="en-US" dirty="0" err="1" smtClean="0"/>
-              <a:t>paxos</a:t>
-            </a:r>
-            <a:r>
-              <a:rPr lang="en-US" dirty="0" smtClean="0"/>
-              <a:t> ?)</a:t>
-            </a:r>
-          </a:p>
-          <a:p>
-            <a:r>
-              <a:rPr lang="en-US" dirty="0" smtClean="0"/>
-              <a:t>data persistence. How frequently ?</a:t>
-            </a:r>
-          </a:p>
-          <a:p>
-            <a:r>
-              <a:rPr lang="en-US" dirty="0" smtClean="0"/>
-              <a:t>user interface, monitoring and management</a:t>
-            </a:r>
-          </a:p>
-          <a:p>
-            <a:r>
-              <a:rPr lang="en-US" dirty="0" smtClean="0"/>
-              <a:t>access drivers (</a:t>
-            </a:r>
-            <a:r>
-              <a:rPr lang="en-US" dirty="0" err="1" smtClean="0"/>
-              <a:t>odbc</a:t>
-            </a:r>
-            <a:r>
-              <a:rPr lang="en-US" dirty="0" smtClean="0"/>
-              <a:t> and friends)</a:t>
-            </a:r>
-          </a:p>
-          <a:p>
-            <a:endParaRPr lang="en-US" dirty="0"/>
+            <a:endParaRPr lang="en-US"/>
           </a:p>
         </p:txBody>
       </p:sp>
     </p:spTree>
     <p:extLst>
       <p:ext uri="{BB962C8B-B14F-4D97-AF65-F5344CB8AC3E}">
-        <p14:creationId xmlns:p14="http://schemas.microsoft.com/office/powerpoint/2010/main" val="793912252"/>
+        <p14:creationId xmlns:p14="http://schemas.microsoft.com/office/powerpoint/2010/main" val="2138048819"/>
       </p:ext>
     </p:extLst>
   </p:cSld>
@@ -11448,7 +12086,7 @@
           <a:p>
             <a:r>
               <a:rPr lang="en-US" dirty="0" smtClean="0"/>
-              <a:t>miscellaneous concepts</a:t>
+              <a:t>planner</a:t>
             </a:r>
             <a:endParaRPr lang="en-US" dirty="0"/>
           </a:p>
@@ -11469,41 +12107,27 @@
           <a:bodyPr/>
           <a:lstStyle/>
           <a:p>
-            <a:r>
-              <a:rPr lang="en-US" dirty="0" smtClean="0"/>
-              <a:t>GPU join </a:t>
-            </a:r>
-            <a:r>
-              <a:rPr lang="en-US" dirty="0" err="1" smtClean="0"/>
-              <a:t>accelleration</a:t>
-            </a:r>
-            <a:endParaRPr lang="en-US" dirty="0" smtClean="0"/>
-          </a:p>
-          <a:p>
-            <a:r>
-              <a:rPr lang="en-US" dirty="0" smtClean="0"/>
-              <a:t>analytical model representation as execution plan node</a:t>
-            </a:r>
-          </a:p>
-          <a:p>
-            <a:r>
-              <a:rPr lang="en-US" dirty="0" smtClean="0"/>
-              <a:t>cloud deployment and “elasticity”</a:t>
-            </a:r>
-            <a:endParaRPr lang="en-US" dirty="0"/>
+            <a:endParaRPr lang="en-US"/>
           </a:p>
         </p:txBody>
       </p:sp>
     </p:spTree>
     <p:extLst>
       <p:ext uri="{BB962C8B-B14F-4D97-AF65-F5344CB8AC3E}">
-        <p14:creationId xmlns:p14="http://schemas.microsoft.com/office/powerpoint/2010/main" val="1687430740"/>
+        <p14:creationId xmlns:p14="http://schemas.microsoft.com/office/powerpoint/2010/main" val="345913900"/>
       </p:ext>
     </p:extLst>
   </p:cSld>
   <p:clrMapOvr>
     <a:masterClrMapping/>
   </p:clrMapOvr>
+  <p:timing>
+    <p:tnLst>
+      <p:par>
+        <p:cTn id="1" dur="indefinite" restart="never" nodeType="tmRoot"/>
+      </p:par>
+    </p:tnLst>
+  </p:timing>
 </p:sld>
 </file>
 
@@ -11540,10 +12164,10 @@
           <a:lstStyle/>
           <a:p>
             <a:r>
-              <a:rPr lang="en-US" b="1" u="sng" dirty="0" smtClean="0"/>
-              <a:t>development approach</a:t>
-            </a:r>
-            <a:endParaRPr lang="en-US" b="1" u="sng" dirty="0"/>
+              <a:rPr lang="en-US" dirty="0" smtClean="0"/>
+              <a:t>Data storage</a:t>
+            </a:r>
+            <a:endParaRPr lang="en-US" dirty="0"/>
           </a:p>
         </p:txBody>
       </p:sp>
@@ -11564,48 +12188,33 @@
           <a:p>
             <a:r>
               <a:rPr lang="en-US" dirty="0" smtClean="0"/>
-              <a:t>Development / project approach</a:t>
-            </a:r>
-          </a:p>
-          <a:p>
-            <a:pPr lvl="1"/>
+              <a:t>Describe chunk manager</a:t>
+            </a:r>
+          </a:p>
+          <a:p>
             <a:r>
               <a:rPr lang="en-US" dirty="0" smtClean="0"/>
-              <a:t>source control, planning, documentation</a:t>
-            </a:r>
-          </a:p>
-          <a:p>
+              <a:t>talk about how its an </a:t>
+            </a:r>
+            <a:r>
+              <a:rPr lang="en-US" dirty="0" err="1" smtClean="0"/>
+              <a:t>ets</a:t>
+            </a:r>
             <a:r>
               <a:rPr lang="en-US" dirty="0" smtClean="0"/>
-              <a:t>why </a:t>
-            </a:r>
-            <a:r>
-              <a:rPr lang="en-US" dirty="0" err="1" smtClean="0"/>
-              <a:t>erlang</a:t>
-            </a:r>
+              <a:t> table currently</a:t>
+            </a:r>
+          </a:p>
+          <a:p>
             <a:r>
               <a:rPr lang="en-US" dirty="0" smtClean="0"/>
-              <a:t> (from a development perspective)</a:t>
+              <a:t>talk about the eventual structure </a:t>
             </a:r>
           </a:p>
           <a:p>
             <a:r>
               <a:rPr lang="en-US" dirty="0" smtClean="0"/>
-              <a:t>any particular “methodology” ?</a:t>
-            </a:r>
-          </a:p>
-          <a:p>
-            <a:pPr lvl="1"/>
-            <a:r>
-              <a:rPr lang="en-US" dirty="0" smtClean="0"/>
-              <a:t>Not really agile. I think the component designs need careful thinking-through</a:t>
-            </a:r>
-          </a:p>
-          <a:p>
-            <a:pPr lvl="1"/>
-            <a:r>
-              <a:rPr lang="en-US" dirty="0" smtClean="0"/>
-              <a:t>not sure of the value of getting crappy versions out the door as soon as we can. </a:t>
+              <a:t>how is data partitioned / hashed across chunks ?</a:t>
             </a:r>
           </a:p>
           <a:p>
@@ -11616,13 +12225,20 @@
     </p:spTree>
     <p:extLst>
       <p:ext uri="{BB962C8B-B14F-4D97-AF65-F5344CB8AC3E}">
-        <p14:creationId xmlns:p14="http://schemas.microsoft.com/office/powerpoint/2010/main" val="402006413"/>
+        <p14:creationId xmlns:p14="http://schemas.microsoft.com/office/powerpoint/2010/main" val="1641523129"/>
       </p:ext>
     </p:extLst>
   </p:cSld>
   <p:clrMapOvr>
     <a:masterClrMapping/>
   </p:clrMapOvr>
+  <p:timing>
+    <p:tnLst>
+      <p:par>
+        <p:cTn id="1" dur="indefinite" restart="never" nodeType="tmRoot"/>
+      </p:par>
+    </p:tnLst>
+  </p:timing>
 </p:sld>
 </file>
 
@@ -11659,14 +12275,10 @@
           <a:lstStyle/>
           <a:p>
             <a:r>
-              <a:rPr lang="en-US" b="1" u="sng" dirty="0" smtClean="0"/>
-              <a:t>release and </a:t>
-            </a:r>
-            <a:r>
-              <a:rPr lang="en-US" b="1" u="sng" dirty="0" err="1" smtClean="0"/>
-              <a:t>licencing</a:t>
-            </a:r>
-            <a:endParaRPr lang="en-US" b="1" u="sng" dirty="0"/>
+              <a:rPr lang="en-US" dirty="0" smtClean="0"/>
+              <a:t>concurrency control / transaction management</a:t>
+            </a:r>
+            <a:endParaRPr lang="en-US" dirty="0"/>
           </a:p>
         </p:txBody>
       </p:sp>
@@ -11685,52 +12297,27 @@
           <a:bodyPr/>
           <a:lstStyle/>
           <a:p>
-            <a:r>
-              <a:rPr lang="en-US" dirty="0" smtClean="0"/>
-              <a:t>How / when to release and promote</a:t>
-            </a:r>
-          </a:p>
-          <a:p>
-            <a:r>
-              <a:rPr lang="en-US" dirty="0" smtClean="0"/>
-              <a:t>what </a:t>
-            </a:r>
-            <a:r>
-              <a:rPr lang="en-US" dirty="0" err="1" smtClean="0"/>
-              <a:t>oss</a:t>
-            </a:r>
-            <a:r>
-              <a:rPr lang="en-US" dirty="0" smtClean="0"/>
-              <a:t> </a:t>
-            </a:r>
-            <a:r>
-              <a:rPr lang="en-US" dirty="0" err="1" smtClean="0"/>
-              <a:t>licence</a:t>
-            </a:r>
-            <a:r>
-              <a:rPr lang="en-US" dirty="0" smtClean="0"/>
-              <a:t> to use</a:t>
-            </a:r>
-          </a:p>
-          <a:p>
-            <a:r>
-              <a:rPr lang="en-US" dirty="0" smtClean="0"/>
-              <a:t>what sort of “business model” if any</a:t>
-            </a:r>
-            <a:endParaRPr lang="en-US" dirty="0"/>
+            <a:endParaRPr lang="en-US"/>
           </a:p>
         </p:txBody>
       </p:sp>
     </p:spTree>
     <p:extLst>
       <p:ext uri="{BB962C8B-B14F-4D97-AF65-F5344CB8AC3E}">
-        <p14:creationId xmlns:p14="http://schemas.microsoft.com/office/powerpoint/2010/main" val="563516082"/>
+        <p14:creationId xmlns:p14="http://schemas.microsoft.com/office/powerpoint/2010/main" val="139096427"/>
       </p:ext>
     </p:extLst>
   </p:cSld>
   <p:clrMapOvr>
     <a:masterClrMapping/>
   </p:clrMapOvr>
+  <p:timing>
+    <p:tnLst>
+      <p:par>
+        <p:cTn id="1" dur="indefinite" restart="never" nodeType="tmRoot"/>
+      </p:par>
+    </p:tnLst>
+  </p:timing>
 </p:sld>
 </file>
 
@@ -11767,10 +12354,14 @@
           <a:lstStyle/>
           <a:p>
             <a:r>
-              <a:rPr lang="en-US" b="1" u="sng" dirty="0" smtClean="0"/>
-              <a:t>(ANTICIPATED) FAQ</a:t>
-            </a:r>
-            <a:endParaRPr lang="en-US" b="1" u="sng" dirty="0"/>
+              <a:rPr lang="en-US" dirty="0" smtClean="0"/>
+              <a:t>things left unsaid</a:t>
+            </a:r>
+            <a:r>
+              <a:rPr lang="is-IS" dirty="0" smtClean="0"/>
+              <a:t>…</a:t>
+            </a:r>
+            <a:endParaRPr lang="en-US" dirty="0"/>
           </a:p>
         </p:txBody>
       </p:sp>
@@ -11786,48 +12377,52 @@
         </p:nvSpPr>
         <p:spPr/>
         <p:txBody>
-          <a:bodyPr>
-            <a:noAutofit/>
-          </a:bodyPr>
+          <a:bodyPr/>
           <a:lstStyle/>
           <a:p>
             <a:r>
-              <a:rPr lang="en-US" u="sng" dirty="0"/>
-              <a:t>This sounds like a </a:t>
-            </a:r>
-            <a:r>
-              <a:rPr lang="en-US" i="1" u="sng" dirty="0"/>
-              <a:t>major</a:t>
-            </a:r>
-            <a:r>
-              <a:rPr lang="en-US" u="sng" dirty="0"/>
-              <a:t> challenge. How do you expect to complete such an ambitious project ?</a:t>
-            </a:r>
-          </a:p>
-          <a:p>
-            <a:endParaRPr lang="en-US" dirty="0"/>
-          </a:p>
-          <a:p>
-            <a:r>
-              <a:rPr lang="en-US" u="sng" dirty="0"/>
-              <a:t>What have you completed so far ?</a:t>
-            </a:r>
-          </a:p>
-          <a:p>
-            <a:endParaRPr lang="en-US" dirty="0"/>
-          </a:p>
-          <a:p>
-            <a:r>
-              <a:rPr lang="en-US" u="sng" dirty="0"/>
-              <a:t>Why </a:t>
-            </a:r>
-            <a:r>
-              <a:rPr lang="en-US" u="sng" dirty="0" smtClean="0"/>
-              <a:t>yet another </a:t>
-            </a:r>
-            <a:r>
-              <a:rPr lang="en-US" u="sng" dirty="0"/>
-              <a:t>in-memory database ?</a:t>
+              <a:rPr lang="en-US" dirty="0" smtClean="0"/>
+              <a:t>recovery system and transaction logging</a:t>
+            </a:r>
+          </a:p>
+          <a:p>
+            <a:r>
+              <a:rPr lang="en-US" dirty="0" smtClean="0"/>
+              <a:t>consistency across nodes (</a:t>
+            </a:r>
+            <a:r>
+              <a:rPr lang="en-US" dirty="0" err="1" smtClean="0"/>
+              <a:t>paxos</a:t>
+            </a:r>
+            <a:r>
+              <a:rPr lang="en-US" dirty="0" smtClean="0"/>
+              <a:t> ?)</a:t>
+            </a:r>
+          </a:p>
+          <a:p>
+            <a:r>
+              <a:rPr lang="en-US" dirty="0" smtClean="0"/>
+              <a:t>data persistence. How frequently ?</a:t>
+            </a:r>
+          </a:p>
+          <a:p>
+            <a:r>
+              <a:rPr lang="en-US" dirty="0" smtClean="0"/>
+              <a:t>user interface, monitoring and management</a:t>
+            </a:r>
+          </a:p>
+          <a:p>
+            <a:r>
+              <a:rPr lang="en-US" dirty="0" smtClean="0"/>
+              <a:t>access drivers (</a:t>
+            </a:r>
+            <a:r>
+              <a:rPr lang="en-US" dirty="0" err="1" smtClean="0"/>
+              <a:t>odbc</a:t>
+            </a:r>
+            <a:r>
+              <a:rPr lang="en-US" dirty="0" smtClean="0"/>
+              <a:t> and friends)</a:t>
             </a:r>
           </a:p>
           <a:p>
@@ -11838,13 +12433,20 @@
     </p:spTree>
     <p:extLst>
       <p:ext uri="{BB962C8B-B14F-4D97-AF65-F5344CB8AC3E}">
-        <p14:creationId xmlns:p14="http://schemas.microsoft.com/office/powerpoint/2010/main" val="1699239883"/>
+        <p14:creationId xmlns:p14="http://schemas.microsoft.com/office/powerpoint/2010/main" val="793912252"/>
       </p:ext>
     </p:extLst>
   </p:cSld>
   <p:clrMapOvr>
     <a:masterClrMapping/>
   </p:clrMapOvr>
+  <p:timing>
+    <p:tnLst>
+      <p:par>
+        <p:cTn id="1" dur="indefinite" restart="never" nodeType="tmRoot"/>
+      </p:par>
+    </p:tnLst>
+  </p:timing>
 </p:sld>
 </file>
 
@@ -11867,6 +12469,29 @@
       </p:grpSpPr>
       <p:sp>
         <p:nvSpPr>
+          <p:cNvPr id="2" name="Title 1"/>
+          <p:cNvSpPr>
+            <a:spLocks noGrp="1"/>
+          </p:cNvSpPr>
+          <p:nvPr>
+            <p:ph type="title"/>
+          </p:nvPr>
+        </p:nvSpPr>
+        <p:spPr/>
+        <p:txBody>
+          <a:bodyPr/>
+          <a:lstStyle/>
+          <a:p>
+            <a:r>
+              <a:rPr lang="en-US" dirty="0" smtClean="0"/>
+              <a:t>miscellaneous concepts</a:t>
+            </a:r>
+            <a:endParaRPr lang="en-US" dirty="0"/>
+          </a:p>
+        </p:txBody>
+      </p:sp>
+      <p:sp>
+        <p:nvSpPr>
           <p:cNvPr id="3" name="Content Placeholder 2"/>
           <p:cNvSpPr>
             <a:spLocks noGrp="1"/>
@@ -11875,42 +12500,32 @@
             <p:ph sz="quarter" idx="13"/>
           </p:nvPr>
         </p:nvSpPr>
-        <p:spPr>
-          <a:xfrm>
-            <a:off x="685330" y="628651"/>
-            <a:ext cx="7772870" cy="5162550"/>
-          </a:xfrm>
-        </p:spPr>
+        <p:spPr/>
         <p:txBody>
-          <a:bodyPr>
-            <a:normAutofit/>
-          </a:bodyPr>
+          <a:bodyPr/>
           <a:lstStyle/>
           <a:p>
             <a:r>
-              <a:rPr lang="en-US" u="sng" dirty="0"/>
-              <a:t>What time, </a:t>
-            </a:r>
-            <a:r>
-              <a:rPr lang="en-US" u="sng" dirty="0" smtClean="0"/>
-              <a:t>money, people </a:t>
-            </a:r>
-            <a:r>
-              <a:rPr lang="en-US" u="sng" dirty="0"/>
-              <a:t>and other resources do you have at your disposal ?</a:t>
-            </a:r>
-          </a:p>
-          <a:p>
-            <a:endParaRPr lang="en-US" dirty="0"/>
-          </a:p>
-          <a:p>
-            <a:r>
-              <a:rPr lang="en-US" u="sng" dirty="0" smtClean="0"/>
-              <a:t>why not re-use or incorporate elements of existing open-source projects?</a:t>
-            </a:r>
-            <a:endParaRPr lang="en-US" u="sng" dirty="0"/>
-          </a:p>
-          <a:p>
+              <a:rPr lang="en-US" dirty="0" smtClean="0"/>
+              <a:t>GPU join </a:t>
+            </a:r>
+            <a:r>
+              <a:rPr lang="en-US" dirty="0" err="1" smtClean="0"/>
+              <a:t>accelleration</a:t>
+            </a:r>
+            <a:endParaRPr lang="en-US" dirty="0" smtClean="0"/>
+          </a:p>
+          <a:p>
+            <a:r>
+              <a:rPr lang="en-US" dirty="0" smtClean="0"/>
+              <a:t>analytical model representation as execution plan node</a:t>
+            </a:r>
+          </a:p>
+          <a:p>
+            <a:r>
+              <a:rPr lang="en-US" dirty="0" smtClean="0"/>
+              <a:t>cloud deployment and “elasticity”</a:t>
+            </a:r>
             <a:endParaRPr lang="en-US" dirty="0"/>
           </a:p>
         </p:txBody>
@@ -11918,13 +12533,20 @@
     </p:spTree>
     <p:extLst>
       <p:ext uri="{BB962C8B-B14F-4D97-AF65-F5344CB8AC3E}">
-        <p14:creationId xmlns:p14="http://schemas.microsoft.com/office/powerpoint/2010/main" val="1427544924"/>
+        <p14:creationId xmlns:p14="http://schemas.microsoft.com/office/powerpoint/2010/main" val="1687430740"/>
       </p:ext>
     </p:extLst>
   </p:cSld>
   <p:clrMapOvr>
     <a:masterClrMapping/>
   </p:clrMapOvr>
+  <p:timing>
+    <p:tnLst>
+      <p:par>
+        <p:cTn id="1" dur="indefinite" restart="never" nodeType="tmRoot"/>
+      </p:par>
+    </p:tnLst>
+  </p:timing>
 </p:sld>
 </file>
 
@@ -11947,6 +12569,29 @@
       </p:grpSpPr>
       <p:sp>
         <p:nvSpPr>
+          <p:cNvPr id="2" name="Title 1"/>
+          <p:cNvSpPr>
+            <a:spLocks noGrp="1"/>
+          </p:cNvSpPr>
+          <p:nvPr>
+            <p:ph type="title"/>
+          </p:nvPr>
+        </p:nvSpPr>
+        <p:spPr/>
+        <p:txBody>
+          <a:bodyPr/>
+          <a:lstStyle/>
+          <a:p>
+            <a:r>
+              <a:rPr lang="en-US" b="1" u="sng" dirty="0" smtClean="0"/>
+              <a:t>development approach</a:t>
+            </a:r>
+            <a:endParaRPr lang="en-US" b="1" u="sng" dirty="0"/>
+          </a:p>
+        </p:txBody>
+      </p:sp>
+      <p:sp>
+        <p:nvSpPr>
           <p:cNvPr id="3" name="Content Placeholder 2"/>
           <p:cNvSpPr>
             <a:spLocks noGrp="1"/>
@@ -11955,76 +12600,395 @@
             <p:ph sz="quarter" idx="13"/>
           </p:nvPr>
         </p:nvSpPr>
-        <p:spPr>
-          <a:xfrm>
-            <a:off x="685330" y="1028701"/>
-            <a:ext cx="7772870" cy="4762500"/>
-          </a:xfrm>
-        </p:spPr>
+        <p:spPr/>
         <p:txBody>
           <a:bodyPr/>
           <a:lstStyle/>
           <a:p>
             <a:r>
-              <a:rPr lang="en-US" u="sng" dirty="0"/>
-              <a:t>When will the MVP come out ?</a:t>
+              <a:rPr lang="en-US" dirty="0" smtClean="0"/>
+              <a:t>Development / project approach</a:t>
+            </a:r>
+          </a:p>
+          <a:p>
+            <a:pPr lvl="1"/>
+            <a:r>
+              <a:rPr lang="en-US" dirty="0" smtClean="0"/>
+              <a:t>source control, planning, documentation</a:t>
+            </a:r>
+          </a:p>
+          <a:p>
+            <a:r>
+              <a:rPr lang="en-US" dirty="0" smtClean="0"/>
+              <a:t>why </a:t>
+            </a:r>
+            <a:r>
+              <a:rPr lang="en-US" dirty="0" err="1" smtClean="0"/>
+              <a:t>erlang</a:t>
+            </a:r>
+            <a:r>
+              <a:rPr lang="en-US" dirty="0" smtClean="0"/>
+              <a:t> (from a development perspective)</a:t>
+            </a:r>
+          </a:p>
+          <a:p>
+            <a:r>
+              <a:rPr lang="en-US" dirty="0" smtClean="0"/>
+              <a:t>any particular “methodology” ?</a:t>
+            </a:r>
+          </a:p>
+          <a:p>
+            <a:pPr lvl="1"/>
+            <a:r>
+              <a:rPr lang="en-US" dirty="0" smtClean="0"/>
+              <a:t>Not really agile. I think the component designs need careful thinking-through</a:t>
+            </a:r>
+          </a:p>
+          <a:p>
+            <a:pPr lvl="1"/>
+            <a:r>
+              <a:rPr lang="en-US" dirty="0" smtClean="0"/>
+              <a:t>not sure of the value of getting crappy versions out the door as soon as we can. </a:t>
             </a:r>
           </a:p>
           <a:p>
             <a:endParaRPr lang="en-US" dirty="0"/>
-          </a:p>
-          <a:p>
-            <a:r>
-              <a:rPr lang="en-US" u="sng" dirty="0"/>
-              <a:t>Business model for </a:t>
-            </a:r>
-            <a:r>
-              <a:rPr lang="en-US" u="sng" dirty="0" err="1"/>
-              <a:t>commercialisation</a:t>
-            </a:r>
-            <a:r>
-              <a:rPr lang="en-US" u="sng" dirty="0"/>
-              <a:t> (if any) ?</a:t>
-            </a:r>
-          </a:p>
-          <a:p>
-            <a:endParaRPr lang="en-US" dirty="0"/>
-          </a:p>
-          <a:p>
-            <a:r>
-              <a:rPr lang="en-US" u="sng" dirty="0"/>
-              <a:t>Are you smarter than </a:t>
-            </a:r>
-            <a:r>
-              <a:rPr lang="en-US" u="sng" dirty="0" smtClean="0"/>
-              <a:t>Google or </a:t>
-            </a:r>
-            <a:r>
-              <a:rPr lang="en-US" u="sng" dirty="0" err="1" smtClean="0"/>
-              <a:t>microsoft</a:t>
-            </a:r>
-            <a:r>
-              <a:rPr lang="en-US" u="sng" dirty="0" smtClean="0"/>
-              <a:t> </a:t>
-            </a:r>
-            <a:r>
-              <a:rPr lang="en-US" u="sng" dirty="0"/>
-              <a:t>? Why hasn’t this been done before ?</a:t>
-            </a:r>
-            <a:endParaRPr lang="en-US" u="sng" dirty="0"/>
           </a:p>
         </p:txBody>
       </p:sp>
     </p:spTree>
     <p:extLst>
       <p:ext uri="{BB962C8B-B14F-4D97-AF65-F5344CB8AC3E}">
-        <p14:creationId xmlns:p14="http://schemas.microsoft.com/office/powerpoint/2010/main" val="1544578443"/>
+        <p14:creationId xmlns:p14="http://schemas.microsoft.com/office/powerpoint/2010/main" val="402006413"/>
       </p:ext>
     </p:extLst>
   </p:cSld>
   <p:clrMapOvr>
     <a:masterClrMapping/>
   </p:clrMapOvr>
+  <p:timing>
+    <p:tnLst>
+      <p:par>
+        <p:cTn id="1" dur="indefinite" restart="never" nodeType="tmRoot"/>
+      </p:par>
+    </p:tnLst>
+  </p:timing>
+</p:sld>
+</file>
+
+<file path=ppt/slides/slide27.xml><?xml version="1.0" encoding="utf-8"?>
+<p:sld xmlns:a="http://schemas.openxmlformats.org/drawingml/2006/main" xmlns:r="http://schemas.openxmlformats.org/officeDocument/2006/relationships" xmlns:p="http://schemas.openxmlformats.org/presentationml/2006/main">
+  <p:cSld>
+    <p:spTree>
+      <p:nvGrpSpPr>
+        <p:cNvPr id="1" name=""/>
+        <p:cNvGrpSpPr/>
+        <p:nvPr/>
+      </p:nvGrpSpPr>
+      <p:grpSpPr>
+        <a:xfrm>
+          <a:off x="0" y="0"/>
+          <a:ext cx="0" cy="0"/>
+          <a:chOff x="0" y="0"/>
+          <a:chExt cx="0" cy="0"/>
+        </a:xfrm>
+      </p:grpSpPr>
+      <p:sp>
+        <p:nvSpPr>
+          <p:cNvPr id="2" name="Title 1"/>
+          <p:cNvSpPr>
+            <a:spLocks noGrp="1"/>
+          </p:cNvSpPr>
+          <p:nvPr>
+            <p:ph type="title"/>
+          </p:nvPr>
+        </p:nvSpPr>
+        <p:spPr/>
+        <p:txBody>
+          <a:bodyPr/>
+          <a:lstStyle/>
+          <a:p>
+            <a:r>
+              <a:rPr lang="en-US" b="1" u="sng" dirty="0" smtClean="0"/>
+              <a:t>release and </a:t>
+            </a:r>
+            <a:r>
+              <a:rPr lang="en-US" b="1" u="sng" dirty="0" err="1" smtClean="0"/>
+              <a:t>licencing</a:t>
+            </a:r>
+            <a:endParaRPr lang="en-US" b="1" u="sng" dirty="0"/>
+          </a:p>
+        </p:txBody>
+      </p:sp>
+      <p:sp>
+        <p:nvSpPr>
+          <p:cNvPr id="3" name="Content Placeholder 2"/>
+          <p:cNvSpPr>
+            <a:spLocks noGrp="1"/>
+          </p:cNvSpPr>
+          <p:nvPr>
+            <p:ph sz="quarter" idx="13"/>
+          </p:nvPr>
+        </p:nvSpPr>
+        <p:spPr/>
+        <p:txBody>
+          <a:bodyPr/>
+          <a:lstStyle/>
+          <a:p>
+            <a:r>
+              <a:rPr lang="en-US" dirty="0" smtClean="0"/>
+              <a:t>How / when to release and promote</a:t>
+            </a:r>
+          </a:p>
+          <a:p>
+            <a:r>
+              <a:rPr lang="en-US" dirty="0" smtClean="0"/>
+              <a:t>what </a:t>
+            </a:r>
+            <a:r>
+              <a:rPr lang="en-US" dirty="0" err="1" smtClean="0"/>
+              <a:t>oss</a:t>
+            </a:r>
+            <a:r>
+              <a:rPr lang="en-US" dirty="0" smtClean="0"/>
+              <a:t> </a:t>
+            </a:r>
+            <a:r>
+              <a:rPr lang="en-US" dirty="0" err="1" smtClean="0"/>
+              <a:t>licence</a:t>
+            </a:r>
+            <a:r>
+              <a:rPr lang="en-US" dirty="0" smtClean="0"/>
+              <a:t> to use</a:t>
+            </a:r>
+          </a:p>
+          <a:p>
+            <a:r>
+              <a:rPr lang="en-US" dirty="0" smtClean="0"/>
+              <a:t>what sort of “business model” if any</a:t>
+            </a:r>
+            <a:endParaRPr lang="en-US" dirty="0"/>
+          </a:p>
+        </p:txBody>
+      </p:sp>
+    </p:spTree>
+    <p:extLst>
+      <p:ext uri="{BB962C8B-B14F-4D97-AF65-F5344CB8AC3E}">
+        <p14:creationId xmlns:p14="http://schemas.microsoft.com/office/powerpoint/2010/main" val="563516082"/>
+      </p:ext>
+    </p:extLst>
+  </p:cSld>
+  <p:clrMapOvr>
+    <a:masterClrMapping/>
+  </p:clrMapOvr>
+</p:sld>
+</file>
+
+<file path=ppt/slides/slide28.xml><?xml version="1.0" encoding="utf-8"?>
+<p:sld xmlns:a="http://schemas.openxmlformats.org/drawingml/2006/main" xmlns:r="http://schemas.openxmlformats.org/officeDocument/2006/relationships" xmlns:p="http://schemas.openxmlformats.org/presentationml/2006/main">
+  <p:cSld>
+    <p:spTree>
+      <p:nvGrpSpPr>
+        <p:cNvPr id="1" name=""/>
+        <p:cNvGrpSpPr/>
+        <p:nvPr/>
+      </p:nvGrpSpPr>
+      <p:grpSpPr>
+        <a:xfrm>
+          <a:off x="0" y="0"/>
+          <a:ext cx="0" cy="0"/>
+          <a:chOff x="0" y="0"/>
+          <a:chExt cx="0" cy="0"/>
+        </a:xfrm>
+      </p:grpSpPr>
+      <p:sp>
+        <p:nvSpPr>
+          <p:cNvPr id="2" name="Title 1"/>
+          <p:cNvSpPr>
+            <a:spLocks noGrp="1"/>
+          </p:cNvSpPr>
+          <p:nvPr>
+            <p:ph type="title"/>
+          </p:nvPr>
+        </p:nvSpPr>
+        <p:spPr/>
+        <p:txBody>
+          <a:bodyPr/>
+          <a:lstStyle/>
+          <a:p>
+            <a:r>
+              <a:rPr lang="en-US" b="1" u="sng" dirty="0" smtClean="0"/>
+              <a:t>(ANTICIPATED) FAQ</a:t>
+            </a:r>
+            <a:endParaRPr lang="en-US" b="1" u="sng" dirty="0"/>
+          </a:p>
+        </p:txBody>
+      </p:sp>
+      <p:sp>
+        <p:nvSpPr>
+          <p:cNvPr id="3" name="Content Placeholder 2"/>
+          <p:cNvSpPr>
+            <a:spLocks noGrp="1"/>
+          </p:cNvSpPr>
+          <p:nvPr>
+            <p:ph sz="quarter" idx="13"/>
+          </p:nvPr>
+        </p:nvSpPr>
+        <p:spPr/>
+        <p:txBody>
+          <a:bodyPr>
+            <a:noAutofit/>
+          </a:bodyPr>
+          <a:lstStyle/>
+          <a:p>
+            <a:r>
+              <a:rPr lang="en-US" u="sng" dirty="0"/>
+              <a:t>This sounds like a </a:t>
+            </a:r>
+            <a:r>
+              <a:rPr lang="en-US" i="1" u="sng" dirty="0"/>
+              <a:t>major</a:t>
+            </a:r>
+            <a:r>
+              <a:rPr lang="en-US" u="sng" dirty="0"/>
+              <a:t> challenge. How do you expect to complete such an ambitious project ?</a:t>
+            </a:r>
+          </a:p>
+          <a:p>
+            <a:endParaRPr lang="en-US" dirty="0"/>
+          </a:p>
+          <a:p>
+            <a:r>
+              <a:rPr lang="en-US" u="sng" dirty="0"/>
+              <a:t>What have you completed so far ?</a:t>
+            </a:r>
+          </a:p>
+          <a:p>
+            <a:endParaRPr lang="en-US" dirty="0"/>
+          </a:p>
+          <a:p>
+            <a:r>
+              <a:rPr lang="en-US" u="sng" dirty="0"/>
+              <a:t>Why </a:t>
+            </a:r>
+            <a:r>
+              <a:rPr lang="en-US" u="sng" dirty="0" smtClean="0"/>
+              <a:t>yet another </a:t>
+            </a:r>
+            <a:r>
+              <a:rPr lang="en-US" u="sng" dirty="0"/>
+              <a:t>in-memory database ?</a:t>
+            </a:r>
+          </a:p>
+          <a:p>
+            <a:endParaRPr lang="en-US" dirty="0"/>
+          </a:p>
+        </p:txBody>
+      </p:sp>
+    </p:spTree>
+    <p:extLst>
+      <p:ext uri="{BB962C8B-B14F-4D97-AF65-F5344CB8AC3E}">
+        <p14:creationId xmlns:p14="http://schemas.microsoft.com/office/powerpoint/2010/main" val="1699239883"/>
+      </p:ext>
+    </p:extLst>
+  </p:cSld>
+  <p:clrMapOvr>
+    <a:masterClrMapping/>
+  </p:clrMapOvr>
+  <p:timing>
+    <p:tnLst>
+      <p:par>
+        <p:cTn id="1" dur="indefinite" restart="never" nodeType="tmRoot"/>
+      </p:par>
+    </p:tnLst>
+  </p:timing>
+</p:sld>
+</file>
+
+<file path=ppt/slides/slide29.xml><?xml version="1.0" encoding="utf-8"?>
+<p:sld xmlns:a="http://schemas.openxmlformats.org/drawingml/2006/main" xmlns:r="http://schemas.openxmlformats.org/officeDocument/2006/relationships" xmlns:p="http://schemas.openxmlformats.org/presentationml/2006/main">
+  <p:cSld>
+    <p:spTree>
+      <p:nvGrpSpPr>
+        <p:cNvPr id="1" name=""/>
+        <p:cNvGrpSpPr/>
+        <p:nvPr/>
+      </p:nvGrpSpPr>
+      <p:grpSpPr>
+        <a:xfrm>
+          <a:off x="0" y="0"/>
+          <a:ext cx="0" cy="0"/>
+          <a:chOff x="0" y="0"/>
+          <a:chExt cx="0" cy="0"/>
+        </a:xfrm>
+      </p:grpSpPr>
+      <p:sp>
+        <p:nvSpPr>
+          <p:cNvPr id="3" name="Content Placeholder 2"/>
+          <p:cNvSpPr>
+            <a:spLocks noGrp="1"/>
+          </p:cNvSpPr>
+          <p:nvPr>
+            <p:ph sz="quarter" idx="13"/>
+          </p:nvPr>
+        </p:nvSpPr>
+        <p:spPr>
+          <a:xfrm>
+            <a:off x="685330" y="628651"/>
+            <a:ext cx="7772870" cy="5162550"/>
+          </a:xfrm>
+        </p:spPr>
+        <p:txBody>
+          <a:bodyPr>
+            <a:normAutofit/>
+          </a:bodyPr>
+          <a:lstStyle/>
+          <a:p>
+            <a:r>
+              <a:rPr lang="en-US" u="sng" dirty="0"/>
+              <a:t>What time, </a:t>
+            </a:r>
+            <a:r>
+              <a:rPr lang="en-US" u="sng" dirty="0" smtClean="0"/>
+              <a:t>money, people </a:t>
+            </a:r>
+            <a:r>
+              <a:rPr lang="en-US" u="sng" dirty="0"/>
+              <a:t>and other resources do you have at your disposal ?</a:t>
+            </a:r>
+          </a:p>
+          <a:p>
+            <a:endParaRPr lang="en-US" dirty="0"/>
+          </a:p>
+          <a:p>
+            <a:r>
+              <a:rPr lang="en-US" u="sng" dirty="0" smtClean="0"/>
+              <a:t>why not re-use or incorporate elements of existing open-source projects?</a:t>
+            </a:r>
+            <a:endParaRPr lang="en-US" u="sng" dirty="0"/>
+          </a:p>
+          <a:p>
+            <a:endParaRPr lang="en-US" dirty="0"/>
+          </a:p>
+        </p:txBody>
+      </p:sp>
+    </p:spTree>
+    <p:extLst>
+      <p:ext uri="{BB962C8B-B14F-4D97-AF65-F5344CB8AC3E}">
+        <p14:creationId xmlns:p14="http://schemas.microsoft.com/office/powerpoint/2010/main" val="1427544924"/>
+      </p:ext>
+    </p:extLst>
+  </p:cSld>
+  <p:clrMapOvr>
+    <a:masterClrMapping/>
+  </p:clrMapOvr>
+  <p:timing>
+    <p:tnLst>
+      <p:par>
+        <p:cTn id="1" dur="indefinite" restart="never" nodeType="tmRoot"/>
+      </p:par>
+    </p:tnLst>
+  </p:timing>
 </p:sld>
 </file>
 
@@ -12222,6 +13186,120 @@
   <p:clrMapOvr>
     <a:masterClrMapping/>
   </p:clrMapOvr>
+  <p:timing>
+    <p:tnLst>
+      <p:par>
+        <p:cTn id="1" dur="indefinite" restart="never" nodeType="tmRoot"/>
+      </p:par>
+    </p:tnLst>
+  </p:timing>
+</p:sld>
+</file>
+
+<file path=ppt/slides/slide30.xml><?xml version="1.0" encoding="utf-8"?>
+<p:sld xmlns:a="http://schemas.openxmlformats.org/drawingml/2006/main" xmlns:r="http://schemas.openxmlformats.org/officeDocument/2006/relationships" xmlns:p="http://schemas.openxmlformats.org/presentationml/2006/main">
+  <p:cSld>
+    <p:spTree>
+      <p:nvGrpSpPr>
+        <p:cNvPr id="1" name=""/>
+        <p:cNvGrpSpPr/>
+        <p:nvPr/>
+      </p:nvGrpSpPr>
+      <p:grpSpPr>
+        <a:xfrm>
+          <a:off x="0" y="0"/>
+          <a:ext cx="0" cy="0"/>
+          <a:chOff x="0" y="0"/>
+          <a:chExt cx="0" cy="0"/>
+        </a:xfrm>
+      </p:grpSpPr>
+      <p:sp>
+        <p:nvSpPr>
+          <p:cNvPr id="3" name="Content Placeholder 2"/>
+          <p:cNvSpPr>
+            <a:spLocks noGrp="1"/>
+          </p:cNvSpPr>
+          <p:nvPr>
+            <p:ph sz="quarter" idx="13"/>
+          </p:nvPr>
+        </p:nvSpPr>
+        <p:spPr>
+          <a:xfrm>
+            <a:off x="685330" y="1028701"/>
+            <a:ext cx="7772870" cy="4762500"/>
+          </a:xfrm>
+        </p:spPr>
+        <p:txBody>
+          <a:bodyPr/>
+          <a:lstStyle/>
+          <a:p>
+            <a:r>
+              <a:rPr lang="en-US" u="sng" dirty="0"/>
+              <a:t>When will the MVP come out ?</a:t>
+            </a:r>
+          </a:p>
+          <a:p>
+            <a:endParaRPr lang="en-US" dirty="0"/>
+          </a:p>
+          <a:p>
+            <a:r>
+              <a:rPr lang="en-US" u="sng" dirty="0"/>
+              <a:t>Business model for </a:t>
+            </a:r>
+            <a:r>
+              <a:rPr lang="en-US" u="sng" dirty="0" err="1"/>
+              <a:t>commercialisation</a:t>
+            </a:r>
+            <a:r>
+              <a:rPr lang="en-US" u="sng" dirty="0"/>
+              <a:t> (if any) ?</a:t>
+            </a:r>
+          </a:p>
+          <a:p>
+            <a:endParaRPr lang="en-US" dirty="0"/>
+          </a:p>
+          <a:p>
+            <a:r>
+              <a:rPr lang="en-US" u="sng" dirty="0"/>
+              <a:t>Are you smarter than </a:t>
+            </a:r>
+            <a:r>
+              <a:rPr lang="en-US" u="sng" dirty="0" smtClean="0"/>
+              <a:t>Google or </a:t>
+            </a:r>
+            <a:r>
+              <a:rPr lang="en-US" u="sng" dirty="0" err="1" smtClean="0"/>
+              <a:t>microsoft</a:t>
+            </a:r>
+            <a:r>
+              <a:rPr lang="en-US" u="sng" dirty="0" smtClean="0"/>
+              <a:t> </a:t>
+            </a:r>
+            <a:r>
+              <a:rPr lang="en-US" u="sng" dirty="0"/>
+              <a:t>? Why hasn’t this been done before ?</a:t>
+            </a:r>
+            <a:endParaRPr lang="en-US" u="sng" dirty="0"/>
+          </a:p>
+        </p:txBody>
+      </p:sp>
+    </p:spTree>
+    <p:extLst>
+      <p:ext uri="{BB962C8B-B14F-4D97-AF65-F5344CB8AC3E}">
+        <p14:creationId xmlns:p14="http://schemas.microsoft.com/office/powerpoint/2010/main" val="1544578443"/>
+      </p:ext>
+    </p:extLst>
+  </p:cSld>
+  <p:clrMapOvr>
+    <a:masterClrMapping/>
+  </p:clrMapOvr>
+  <p:timing>
+    <p:tnLst>
+      <p:par>
+        <p:cTn id="1" dur="indefinite" restart="never" nodeType="tmRoot"/>
+      </p:par>
+    </p:tnLst>
+  </p:timing>
 </p:sld>
 </file>
 
@@ -12495,6 +13573,13 @@
   <p:clrMapOvr>
     <a:masterClrMapping/>
   </p:clrMapOvr>
+  <p:timing>
+    <p:tnLst>
+      <p:par>
+        <p:cTn id="1" dur="indefinite" restart="never" nodeType="tmRoot"/>
+      </p:par>
+    </p:tnLst>
+  </p:timing>
 </p:sld>
 </file>
 
@@ -12663,6 +13748,13 @@
   <p:clrMapOvr>
     <a:masterClrMapping/>
   </p:clrMapOvr>
+  <p:timing>
+    <p:tnLst>
+      <p:par>
+        <p:cTn id="1" dur="indefinite" restart="never" nodeType="tmRoot"/>
+      </p:par>
+    </p:tnLst>
+  </p:timing>
 </p:sld>
 </file>
 
@@ -14189,6 +15281,13 @@
   <p:clrMapOvr>
     <a:masterClrMapping/>
   </p:clrMapOvr>
+  <p:timing>
+    <p:tnLst>
+      <p:par>
+        <p:cTn id="1" dur="indefinite" restart="never" nodeType="tmRoot"/>
+      </p:par>
+    </p:tnLst>
+  </p:timing>
 </p:sld>
 </file>
 
@@ -14231,7 +15330,11 @@
           <a:p>
             <a:r>
               <a:rPr lang="en-US" dirty="0" smtClean="0"/>
-              <a:t>working title</a:t>
+              <a:t>some working </a:t>
+            </a:r>
+            <a:r>
+              <a:rPr lang="en-US" dirty="0" smtClean="0"/>
+              <a:t>title</a:t>
             </a:r>
             <a:endParaRPr lang="en-US" dirty="0"/>
           </a:p>
@@ -15310,6 +16413,13 @@
   <p:clrMapOvr>
     <a:masterClrMapping/>
   </p:clrMapOvr>
+  <p:timing>
+    <p:tnLst>
+      <p:par>
+        <p:cTn id="1" dur="indefinite" restart="never" nodeType="tmRoot"/>
+      </p:par>
+    </p:tnLst>
+  </p:timing>
 </p:sld>
 </file>
 

--- a/doc/Pitch1.pptx
+++ b/doc/Pitch1.pptx
@@ -3220,7 +3220,7 @@
           <a:p>
             <a:fld id="{FF6059DA-E1FE-C140-AD06-A1F81A99B101}" type="datetimeFigureOut">
               <a:rPr lang="en-US" smtClean="0"/>
-              <a:t>9/20/16</a:t>
+              <a:t>9/23/16</a:t>
             </a:fld>
             <a:endParaRPr lang="en-US"/>
           </a:p>
@@ -4228,8 +4228,16 @@
             </a:r>
             <a:r>
               <a:rPr lang="en-US" baseline="0" dirty="0" smtClean="0"/>
-              <a:t> </a:t>
-            </a:r>
+              <a:t> . Add reference but check</a:t>
+            </a:r>
+          </a:p>
+          <a:p>
+            <a:r>
+              <a:rPr lang="en-US" baseline="0" dirty="0" smtClean="0"/>
+              <a:t>Rename “chunk” sounds awful</a:t>
+            </a:r>
+          </a:p>
+          <a:p>
             <a:endParaRPr lang="en-US" dirty="0"/>
           </a:p>
         </p:txBody>
@@ -4609,7 +4617,7 @@
           <a:p>
             <a:fld id="{2CA82D9E-DFD4-544D-A6F8-AEC08F108C5A}" type="datetimeFigureOut">
               <a:rPr lang="en-US" smtClean="0"/>
-              <a:t>9/20/16</a:t>
+              <a:t>9/23/16</a:t>
             </a:fld>
             <a:endParaRPr lang="en-US"/>
           </a:p>
@@ -4921,7 +4929,7 @@
           <a:p>
             <a:fld id="{2CA82D9E-DFD4-544D-A6F8-AEC08F108C5A}" type="datetimeFigureOut">
               <a:rPr lang="en-US" smtClean="0"/>
-              <a:t>9/20/16</a:t>
+              <a:t>9/23/16</a:t>
             </a:fld>
             <a:endParaRPr lang="en-US"/>
           </a:p>
@@ -5143,7 +5151,7 @@
           <a:p>
             <a:fld id="{2CA82D9E-DFD4-544D-A6F8-AEC08F108C5A}" type="datetimeFigureOut">
               <a:rPr lang="en-US" smtClean="0"/>
-              <a:t>9/20/16</a:t>
+              <a:t>9/23/16</a:t>
             </a:fld>
             <a:endParaRPr lang="en-US"/>
           </a:p>
@@ -5434,7 +5442,7 @@
           <a:p>
             <a:fld id="{2CA82D9E-DFD4-544D-A6F8-AEC08F108C5A}" type="datetimeFigureOut">
               <a:rPr lang="en-US" smtClean="0"/>
-              <a:t>9/20/16</a:t>
+              <a:t>9/23/16</a:t>
             </a:fld>
             <a:endParaRPr lang="en-US"/>
           </a:p>
@@ -5888,7 +5896,7 @@
           <a:p>
             <a:fld id="{2CA82D9E-DFD4-544D-A6F8-AEC08F108C5A}" type="datetimeFigureOut">
               <a:rPr lang="en-US" smtClean="0"/>
-              <a:t>9/20/16</a:t>
+              <a:t>9/23/16</a:t>
             </a:fld>
             <a:endParaRPr lang="en-US"/>
           </a:p>
@@ -6464,7 +6472,7 @@
           <a:p>
             <a:fld id="{2CA82D9E-DFD4-544D-A6F8-AEC08F108C5A}" type="datetimeFigureOut">
               <a:rPr lang="en-US" smtClean="0"/>
-              <a:t>9/20/16</a:t>
+              <a:t>9/23/16</a:t>
             </a:fld>
             <a:endParaRPr lang="en-US"/>
           </a:p>
@@ -7316,7 +7324,7 @@
           <a:p>
             <a:fld id="{2CA82D9E-DFD4-544D-A6F8-AEC08F108C5A}" type="datetimeFigureOut">
               <a:rPr lang="en-US" smtClean="0"/>
-              <a:t>9/20/16</a:t>
+              <a:t>9/23/16</a:t>
             </a:fld>
             <a:endParaRPr lang="en-US"/>
           </a:p>
@@ -7521,7 +7529,7 @@
           <a:p>
             <a:fld id="{2CA82D9E-DFD4-544D-A6F8-AEC08F108C5A}" type="datetimeFigureOut">
               <a:rPr lang="en-US" smtClean="0"/>
-              <a:t>9/20/16</a:t>
+              <a:t>9/23/16</a:t>
             </a:fld>
             <a:endParaRPr lang="en-US"/>
           </a:p>
@@ -7735,7 +7743,7 @@
           <a:p>
             <a:fld id="{2CA82D9E-DFD4-544D-A6F8-AEC08F108C5A}" type="datetimeFigureOut">
               <a:rPr lang="en-US" smtClean="0"/>
-              <a:t>9/20/16</a:t>
+              <a:t>9/23/16</a:t>
             </a:fld>
             <a:endParaRPr lang="en-US"/>
           </a:p>
@@ -7940,7 +7948,7 @@
           <a:p>
             <a:fld id="{2CA82D9E-DFD4-544D-A6F8-AEC08F108C5A}" type="datetimeFigureOut">
               <a:rPr lang="en-US" smtClean="0"/>
-              <a:t>9/20/16</a:t>
+              <a:t>9/23/16</a:t>
             </a:fld>
             <a:endParaRPr lang="en-US"/>
           </a:p>
@@ -8220,7 +8228,7 @@
           <a:p>
             <a:fld id="{2CA82D9E-DFD4-544D-A6F8-AEC08F108C5A}" type="datetimeFigureOut">
               <a:rPr lang="en-US" smtClean="0"/>
-              <a:t>9/20/16</a:t>
+              <a:t>9/23/16</a:t>
             </a:fld>
             <a:endParaRPr lang="en-US"/>
           </a:p>
@@ -8487,7 +8495,7 @@
           <a:p>
             <a:fld id="{2CA82D9E-DFD4-544D-A6F8-AEC08F108C5A}" type="datetimeFigureOut">
               <a:rPr lang="en-US" smtClean="0"/>
-              <a:t>9/20/16</a:t>
+              <a:t>9/23/16</a:t>
             </a:fld>
             <a:endParaRPr lang="en-US"/>
           </a:p>
@@ -8902,7 +8910,7 @@
           <a:p>
             <a:fld id="{2CA82D9E-DFD4-544D-A6F8-AEC08F108C5A}" type="datetimeFigureOut">
               <a:rPr lang="en-US" smtClean="0"/>
-              <a:t>9/20/16</a:t>
+              <a:t>9/23/16</a:t>
             </a:fld>
             <a:endParaRPr lang="en-US"/>
           </a:p>
@@ -9050,7 +9058,7 @@
           <a:p>
             <a:fld id="{2CA82D9E-DFD4-544D-A6F8-AEC08F108C5A}" type="datetimeFigureOut">
               <a:rPr lang="en-US" smtClean="0"/>
-              <a:t>9/20/16</a:t>
+              <a:t>9/23/16</a:t>
             </a:fld>
             <a:endParaRPr lang="en-US"/>
           </a:p>
@@ -9175,7 +9183,7 @@
           <a:p>
             <a:fld id="{2CA82D9E-DFD4-544D-A6F8-AEC08F108C5A}" type="datetimeFigureOut">
               <a:rPr lang="en-US" smtClean="0"/>
-              <a:t>9/20/16</a:t>
+              <a:t>9/23/16</a:t>
             </a:fld>
             <a:endParaRPr lang="en-US"/>
           </a:p>
@@ -9454,7 +9462,7 @@
           <a:p>
             <a:fld id="{2CA82D9E-DFD4-544D-A6F8-AEC08F108C5A}" type="datetimeFigureOut">
               <a:rPr lang="en-US" smtClean="0"/>
-              <a:t>9/20/16</a:t>
+              <a:t>9/23/16</a:t>
             </a:fld>
             <a:endParaRPr lang="en-US"/>
           </a:p>
@@ -9766,7 +9774,7 @@
           <a:p>
             <a:fld id="{2CA82D9E-DFD4-544D-A6F8-AEC08F108C5A}" type="datetimeFigureOut">
               <a:rPr lang="en-US" smtClean="0"/>
-              <a:t>9/20/16</a:t>
+              <a:t>9/23/16</a:t>
             </a:fld>
             <a:endParaRPr lang="en-US"/>
           </a:p>
@@ -10019,7 +10027,7 @@
           <a:p>
             <a:fld id="{2CA82D9E-DFD4-544D-A6F8-AEC08F108C5A}" type="datetimeFigureOut">
               <a:rPr lang="en-US" smtClean="0"/>
-              <a:t>9/20/16</a:t>
+              <a:t>9/23/16</a:t>
             </a:fld>
             <a:endParaRPr lang="en-US"/>
           </a:p>
@@ -10605,7 +10613,6 @@
               <a:rPr lang="en-US" dirty="0"/>
               <a:t>stored in main memory during database operation. </a:t>
             </a:r>
-            <a:endParaRPr lang="en-US" dirty="0"/>
           </a:p>
           <a:p>
             <a:r>
@@ -10618,7 +10625,7 @@
             </a:r>
             <a:r>
               <a:rPr lang="en-US" dirty="0" smtClean="0"/>
-              <a:t>commits (depending on mode)</a:t>
+              <a:t>commits</a:t>
             </a:r>
           </a:p>
         </p:txBody>
@@ -10894,7 +10901,6 @@
               <a:rPr lang="en-US" dirty="0"/>
               <a:t>distributed across one or more machines participating in the database cluster. </a:t>
             </a:r>
-            <a:endParaRPr lang="en-US" dirty="0"/>
           </a:p>
           <a:p>
             <a:r>
@@ -11155,10 +11161,6 @@
               <a:rPr lang="en-US" dirty="0"/>
               <a:t>). </a:t>
             </a:r>
-            <a:r>
-              <a:rPr lang="en-US" dirty="0"/>
-              <a:t/>
-            </a:r>
             <a:br>
               <a:rPr lang="en-US" dirty="0"/>
             </a:br>
@@ -11247,7 +11249,7 @@
         </p:spPr>
         <p:txBody>
           <a:bodyPr>
-            <a:normAutofit lnSpcReduction="10000"/>
+            <a:normAutofit fontScale="92500" lnSpcReduction="10000"/>
           </a:bodyPr>
           <a:lstStyle/>
           <a:p>
@@ -11282,7 +11284,11 @@
             </a:r>
             <a:r>
               <a:rPr lang="en-US" dirty="0" smtClean="0"/>
-              <a:t>operation</a:t>
+              <a:t>operation (actually this is wrong. its controlled by </a:t>
+            </a:r>
+            <a:r>
+              <a:rPr lang="en-US" smtClean="0"/>
+              <a:t>the planner)</a:t>
             </a:r>
             <a:endParaRPr lang="en-US" dirty="0"/>
           </a:p>
@@ -12605,7 +12611,6 @@
               <a:rPr lang="en-US" dirty="0"/>
               <a:t> select a as c1, a + 1 as c2, a + b / c as c3 from A , B where a &lt; 1 and a &gt; b and a = c and c - 3 &gt; a + 5;</a:t>
             </a:r>
-            <a:endParaRPr lang="en-US" dirty="0"/>
           </a:p>
         </p:txBody>
       </p:sp>
@@ -19442,8 +19447,8 @@
         </p:nvSpPr>
         <p:spPr>
           <a:xfrm>
-            <a:off x="713907" y="878400"/>
-            <a:ext cx="7515225" cy="923330"/>
+            <a:off x="713907" y="678652"/>
+            <a:ext cx="7515225" cy="1200329"/>
           </a:xfrm>
           <a:prstGeom prst="rect">
             <a:avLst/>
@@ -19458,7 +19463,15 @@
           <a:p>
             <a:r>
               <a:rPr lang="en-US" dirty="0" smtClean="0"/>
-              <a:t>Dispatcher sends scan messages to managers and spawns all required execution node processes. They are supplied with all the information they need move data to each other and process tuples according to the plan</a:t>
+              <a:t>Dispatcher sends scan messages to managers and spawns all required execution node processes. They are supplied with all the information they need move data to each other and process tuples according to the plan. </a:t>
+            </a:r>
+            <a:r>
+              <a:rPr lang="en-US" dirty="0" err="1" smtClean="0"/>
+              <a:t>Erlang</a:t>
+            </a:r>
+            <a:r>
+              <a:rPr lang="en-US" dirty="0" smtClean="0"/>
+              <a:t> processes are lightweight and very fast to spawn. </a:t>
             </a:r>
             <a:endParaRPr lang="en-US" dirty="0"/>
           </a:p>
@@ -21870,7 +21883,6 @@
                 <a:rPr lang="en-US" dirty="0"/>
                 <a:t>B</a:t>
               </a:r>
-              <a:endParaRPr lang="en-US" dirty="0"/>
             </a:p>
           </p:txBody>
         </p:sp>
@@ -23248,7 +23260,6 @@
                 <a:rPr lang="en-US" dirty="0"/>
                 <a:t>B</a:t>
               </a:r>
-              <a:endParaRPr lang="en-US" dirty="0"/>
             </a:p>
           </p:txBody>
         </p:sp>
@@ -25764,22 +25775,14 @@
           <a:p>
             <a:r>
               <a:rPr lang="en-US" sz="2600" dirty="0" smtClean="0"/>
-              <a:t>“Big Data</a:t>
-            </a:r>
-            <a:r>
-              <a:rPr lang="en-US" sz="2600" dirty="0" smtClean="0"/>
-              <a:t>”</a:t>
+              <a:t>“Big Data”</a:t>
             </a:r>
           </a:p>
           <a:p>
             <a:pPr lvl="1"/>
             <a:r>
               <a:rPr lang="en-US" sz="2200" dirty="0" smtClean="0"/>
-              <a:t>Largely a</a:t>
-            </a:r>
-            <a:r>
-              <a:rPr lang="en-US" sz="2200" dirty="0" smtClean="0"/>
-              <a:t> marketing mantra not congruent with the needs of most </a:t>
+              <a:t>Largely a marketing mantra not congruent with the needs of most </a:t>
             </a:r>
             <a:r>
               <a:rPr lang="en-US" sz="2200" dirty="0" err="1" smtClean="0"/>
@@ -25794,44 +25797,26 @@
               <a:t>Most orgs struggling with integrating disparate data sources into a single (preferably transparent) </a:t>
             </a:r>
             <a:r>
-              <a:rPr lang="en-US" sz="2200" dirty="0" err="1" smtClean="0"/>
-              <a:t>plaform</a:t>
-            </a:r>
-            <a:r>
               <a:rPr lang="en-US" sz="2200" dirty="0" smtClean="0"/>
-              <a:t> with wildl</a:t>
+              <a:t>platform </a:t>
             </a:r>
             <a:r>
               <a:rPr lang="en-US" sz="2200" dirty="0" smtClean="0"/>
-              <a:t>y varying insertion and query patterns</a:t>
-            </a:r>
-            <a:endParaRPr lang="en-US" sz="2200" dirty="0" smtClean="0"/>
+              <a:t>with wildly varying insertion and query patterns</a:t>
+            </a:r>
           </a:p>
           <a:p>
             <a:pPr lvl="1"/>
             <a:r>
               <a:rPr lang="en-US" sz="2200" dirty="0" smtClean="0"/>
-              <a:t>Real-time, fast, streaming </a:t>
-            </a:r>
+              <a:t>Real-time, fast, streaming analytics required. </a:t>
+            </a:r>
+          </a:p>
+          <a:p>
+            <a:pPr lvl="1"/>
             <a:r>
               <a:rPr lang="en-US" sz="2200" dirty="0" smtClean="0"/>
-              <a:t>analytics required. </a:t>
-            </a:r>
-            <a:endParaRPr lang="en-US" sz="2200" dirty="0" smtClean="0"/>
-          </a:p>
-          <a:p>
-            <a:pPr lvl="1"/>
-            <a:r>
-              <a:rPr lang="en-US" sz="2200" dirty="0" smtClean="0"/>
-              <a:t>Current attempts to </a:t>
-            </a:r>
-            <a:r>
-              <a:rPr lang="en-US" sz="2200" dirty="0" smtClean="0"/>
-              <a:t>provide analytics, batch and transaction in a single lake expensive, difficult and </a:t>
-            </a:r>
-            <a:r>
-              <a:rPr lang="en-US" sz="2200" dirty="0" smtClean="0"/>
-              <a:t>failure-prone with poor ROI</a:t>
+              <a:t>Current attempts to provide analytics, batch and transaction in a single lake expensive, difficult and failure-prone with poor ROI</a:t>
             </a:r>
           </a:p>
           <a:p>
@@ -25852,7 +25837,6 @@
               <a:rPr lang="en-US" sz="2200" dirty="0" smtClean="0"/>
               <a:t>storing fairly modest data volumes (~10TB)</a:t>
             </a:r>
-            <a:endParaRPr lang="en-US" sz="2200" dirty="0" smtClean="0"/>
           </a:p>
           <a:p>
             <a:r>
@@ -25864,11 +25848,7 @@
             <a:pPr lvl="1"/>
             <a:r>
               <a:rPr lang="en-US" sz="2200" dirty="0" smtClean="0"/>
-              <a:t>Processing moving </a:t>
-            </a:r>
-            <a:r>
-              <a:rPr lang="en-US" sz="2200" dirty="0" smtClean="0"/>
-              <a:t>in-memory for main storage and operations</a:t>
+              <a:t>Processing moving in-memory for main storage and operations</a:t>
             </a:r>
           </a:p>
           <a:p>
@@ -25999,7 +25979,23 @@
                   <a:schemeClr val="accent1"/>
                 </a:solidFill>
               </a:rPr>
-              <a:t>(this is always asked whenever I discuss the concept with sales or marketing people)</a:t>
+              <a:t>(this is always asked whenever I discuss the </a:t>
+            </a:r>
+            <a:r>
+              <a:rPr lang="en-US" dirty="0" smtClean="0">
+                <a:solidFill>
+                  <a:schemeClr val="accent1"/>
+                </a:solidFill>
+              </a:rPr>
+              <a:t>general concept </a:t>
+            </a:r>
+            <a:r>
+              <a:rPr lang="en-US" dirty="0" smtClean="0">
+                <a:solidFill>
+                  <a:schemeClr val="accent1"/>
+                </a:solidFill>
+              </a:rPr>
+              <a:t>with sales or marketing people)</a:t>
             </a:r>
           </a:p>
           <a:p>
@@ -26397,11 +26393,7 @@
           <a:p>
             <a:r>
               <a:rPr lang="en-US" dirty="0" smtClean="0"/>
-              <a:t>“Data lake</a:t>
-            </a:r>
-            <a:r>
-              <a:rPr lang="en-US" dirty="0" smtClean="0"/>
-              <a:t>” (theory)</a:t>
+              <a:t>“Data lake” (theory)</a:t>
             </a:r>
             <a:endParaRPr lang="en-US" dirty="0"/>
           </a:p>
@@ -26445,11 +26437,7 @@
             <a:pPr lvl="1"/>
             <a:r>
               <a:rPr lang="en-US" dirty="0" smtClean="0"/>
-              <a:t>Separate </a:t>
-            </a:r>
-            <a:r>
-              <a:rPr lang="en-US" dirty="0" smtClean="0"/>
-              <a:t>subsystems for fast and slow data</a:t>
+              <a:t>Separate subsystems for fast and slow data</a:t>
             </a:r>
           </a:p>
           <a:p>
@@ -26463,23 +26451,11 @@
             <a:pPr lvl="1"/>
             <a:r>
               <a:rPr lang="en-US" dirty="0" smtClean="0"/>
-              <a:t>A </a:t>
+              <a:t>An </a:t>
             </a:r>
             <a:r>
               <a:rPr lang="en-US" dirty="0" smtClean="0"/>
-              <a:t>eclectic mix </a:t>
-            </a:r>
-            <a:r>
-              <a:rPr lang="en-US" dirty="0" smtClean="0"/>
-              <a:t>of technologies with </a:t>
-            </a:r>
-            <a:r>
-              <a:rPr lang="en-US" dirty="0" smtClean="0"/>
-              <a:t>an </a:t>
-            </a:r>
-            <a:r>
-              <a:rPr lang="en-US" dirty="0" smtClean="0"/>
-              <a:t>HDFS “substrate”</a:t>
+              <a:t>eclectic mix of technologies with an HDFS “substrate”</a:t>
             </a:r>
           </a:p>
           <a:p>
@@ -26577,11 +26553,7 @@
           <a:p>
             <a:r>
               <a:rPr lang="en-US" dirty="0" smtClean="0"/>
-              <a:t>“Data lake</a:t>
-            </a:r>
-            <a:r>
-              <a:rPr lang="en-US" dirty="0" smtClean="0"/>
-              <a:t>” (reality)</a:t>
+              <a:t>“Data lake” (reality)</a:t>
             </a:r>
             <a:endParaRPr lang="en-US" dirty="0"/>
           </a:p>
@@ -26617,11 +26589,7 @@
           <a:p>
             <a:r>
               <a:rPr lang="en-US" dirty="0" smtClean="0"/>
-              <a:t>Intricate, fragile </a:t>
-            </a:r>
-            <a:r>
-              <a:rPr lang="en-US" dirty="0" smtClean="0"/>
-              <a:t>machine. Patchwork of technologies with devilishly hard </a:t>
+              <a:t>Intricate, fragile machine. Patchwork of technologies with devilishly hard </a:t>
             </a:r>
             <a:r>
               <a:rPr lang="en-US" dirty="0" err="1" smtClean="0"/>
@@ -26631,7 +26599,6 @@
               <a:rPr lang="en-US" dirty="0" smtClean="0"/>
               <a:t> problems</a:t>
             </a:r>
-            <a:endParaRPr lang="en-US" dirty="0" smtClean="0"/>
           </a:p>
           <a:p>
             <a:r>
@@ -26654,7 +26621,6 @@
               <a:rPr lang="en-US" dirty="0" smtClean="0"/>
               <a:t>) The necessary expert staff are hard to find and harder to retain</a:t>
             </a:r>
-            <a:endParaRPr lang="en-US" dirty="0" smtClean="0"/>
           </a:p>
           <a:p>
             <a:r>
@@ -28110,11 +28076,7 @@
           <a:p>
             <a:r>
               <a:rPr lang="en-US" dirty="0" smtClean="0"/>
-              <a:t>some working </a:t>
-            </a:r>
-            <a:r>
-              <a:rPr lang="en-US" dirty="0" smtClean="0"/>
-              <a:t>title</a:t>
+              <a:t>some working title</a:t>
             </a:r>
             <a:endParaRPr lang="en-US" dirty="0"/>
           </a:p>
@@ -28820,48 +28782,6 @@
             <a:r>
               <a:rPr lang="en-US" dirty="0" err="1" smtClean="0"/>
               <a:t>Visualisation</a:t>
-            </a:r>
-            <a:endParaRPr lang="en-US" dirty="0"/>
-          </a:p>
-        </p:txBody>
-      </p:sp>
-      <p:sp>
-        <p:nvSpPr>
-          <p:cNvPr id="22" name="Rounded Rectangle 21"/>
-          <p:cNvSpPr/>
-          <p:nvPr/>
-        </p:nvSpPr>
-        <p:spPr>
-          <a:xfrm>
-            <a:off x="2594949" y="3121726"/>
-            <a:ext cx="3499527" cy="587646"/>
-          </a:xfrm>
-          <a:prstGeom prst="roundRect">
-            <a:avLst/>
-          </a:prstGeom>
-        </p:spPr>
-        <p:style>
-          <a:lnRef idx="1">
-            <a:schemeClr val="accent1"/>
-          </a:lnRef>
-          <a:fillRef idx="3">
-            <a:schemeClr val="accent1"/>
-          </a:fillRef>
-          <a:effectRef idx="2">
-            <a:schemeClr val="accent1"/>
-          </a:effectRef>
-          <a:fontRef idx="minor">
-            <a:schemeClr val="lt1"/>
-          </a:fontRef>
-        </p:style>
-        <p:txBody>
-          <a:bodyPr rtlCol="0" anchor="ctr"/>
-          <a:lstStyle/>
-          <a:p>
-            <a:pPr algn="ctr"/>
-            <a:r>
-              <a:rPr lang="en-US" dirty="0" smtClean="0"/>
-              <a:t>HDFS (if required)</a:t>
             </a:r>
             <a:endParaRPr lang="en-US" dirty="0"/>
           </a:p>
